--- a/kaggle/kaggle实战案例分享.pptx
+++ b/kaggle/kaggle实战案例分享.pptx
@@ -13,7 +13,8 @@
     <p:sldId id="264" r:id="rId7"/>
     <p:sldId id="261" r:id="rId8"/>
     <p:sldId id="265" r:id="rId9"/>
-    <p:sldId id="262" r:id="rId10"/>
+    <p:sldId id="266" r:id="rId10"/>
+    <p:sldId id="262" r:id="rId11"/>
   </p:sldIdLst>
   <p:sldSz cx="9144000" cy="6858000" type="screen4x3"/>
   <p:notesSz cx="6858000" cy="9144000"/>
@@ -741,7 +742,7 @@
             <a:fld id="{530820CF-B880-4189-942D-D702A7CBA730}" type="datetimeFigureOut">
               <a:rPr lang="zh-CN" altLang="en-US" smtClean="0"/>
               <a:pPr/>
-              <a:t>2017/9/2</a:t>
+              <a:t>2017/9/4</a:t>
             </a:fld>
             <a:endParaRPr lang="zh-CN" altLang="en-US"/>
           </a:p>
@@ -939,7 +940,7 @@
             <a:fld id="{530820CF-B880-4189-942D-D702A7CBA730}" type="datetimeFigureOut">
               <a:rPr lang="zh-CN" altLang="en-US" smtClean="0"/>
               <a:pPr/>
-              <a:t>2017/9/2</a:t>
+              <a:t>2017/9/4</a:t>
             </a:fld>
             <a:endParaRPr lang="zh-CN" altLang="en-US"/>
           </a:p>
@@ -1126,7 +1127,7 @@
             <a:fld id="{530820CF-B880-4189-942D-D702A7CBA730}" type="datetimeFigureOut">
               <a:rPr lang="zh-CN" altLang="en-US" smtClean="0"/>
               <a:pPr/>
-              <a:t>2017/9/2</a:t>
+              <a:t>2017/9/4</a:t>
             </a:fld>
             <a:endParaRPr lang="zh-CN" altLang="en-US"/>
           </a:p>
@@ -1278,7 +1279,7 @@
             <a:fld id="{530820CF-B880-4189-942D-D702A7CBA730}" type="datetimeFigureOut">
               <a:rPr lang="zh-CN" altLang="en-US" smtClean="0"/>
               <a:pPr/>
-              <a:t>2017/9/2</a:t>
+              <a:t>2017/9/4</a:t>
             </a:fld>
             <a:endParaRPr lang="zh-CN" altLang="en-US"/>
           </a:p>
@@ -1535,7 +1536,7 @@
             <a:fld id="{530820CF-B880-4189-942D-D702A7CBA730}" type="datetimeFigureOut">
               <a:rPr lang="zh-CN" altLang="en-US" smtClean="0"/>
               <a:pPr/>
-              <a:t>2017/9/2</a:t>
+              <a:t>2017/9/4</a:t>
             </a:fld>
             <a:endParaRPr lang="zh-CN" altLang="en-US"/>
           </a:p>
@@ -1946,7 +1947,7 @@
             <a:fld id="{530820CF-B880-4189-942D-D702A7CBA730}" type="datetimeFigureOut">
               <a:rPr lang="zh-CN" altLang="en-US" smtClean="0"/>
               <a:pPr/>
-              <a:t>2017/9/2</a:t>
+              <a:t>2017/9/4</a:t>
             </a:fld>
             <a:endParaRPr lang="zh-CN" altLang="en-US"/>
           </a:p>
@@ -2394,7 +2395,7 @@
             <a:fld id="{530820CF-B880-4189-942D-D702A7CBA730}" type="datetimeFigureOut">
               <a:rPr lang="zh-CN" altLang="en-US" smtClean="0"/>
               <a:pPr/>
-              <a:t>2017/9/2</a:t>
+              <a:t>2017/9/4</a:t>
             </a:fld>
             <a:endParaRPr lang="zh-CN" altLang="en-US"/>
           </a:p>
@@ -2497,7 +2498,7 @@
             <a:fld id="{530820CF-B880-4189-942D-D702A7CBA730}" type="datetimeFigureOut">
               <a:rPr lang="zh-CN" altLang="en-US" smtClean="0"/>
               <a:pPr/>
-              <a:t>2017/9/2</a:t>
+              <a:t>2017/9/4</a:t>
             </a:fld>
             <a:endParaRPr lang="zh-CN" altLang="en-US"/>
           </a:p>
@@ -2620,7 +2621,7 @@
             <a:fld id="{530820CF-B880-4189-942D-D702A7CBA730}" type="datetimeFigureOut">
               <a:rPr lang="zh-CN" altLang="en-US" smtClean="0"/>
               <a:pPr/>
-              <a:t>2017/9/2</a:t>
+              <a:t>2017/9/4</a:t>
             </a:fld>
             <a:endParaRPr lang="zh-CN" altLang="en-US"/>
           </a:p>
@@ -2896,7 +2897,7 @@
             <a:fld id="{530820CF-B880-4189-942D-D702A7CBA730}" type="datetimeFigureOut">
               <a:rPr lang="zh-CN" altLang="en-US" smtClean="0"/>
               <a:pPr/>
-              <a:t>2017/9/2</a:t>
+              <a:t>2017/9/4</a:t>
             </a:fld>
             <a:endParaRPr lang="zh-CN" altLang="en-US"/>
           </a:p>
@@ -3103,7 +3104,7 @@
             <a:fld id="{530820CF-B880-4189-942D-D702A7CBA730}" type="datetimeFigureOut">
               <a:rPr lang="zh-CN" altLang="en-US" smtClean="0"/>
               <a:pPr/>
-              <a:t>2017/9/2</a:t>
+              <a:t>2017/9/4</a:t>
             </a:fld>
             <a:endParaRPr lang="zh-CN" altLang="en-US"/>
           </a:p>
@@ -4214,7 +4215,7 @@
             <a:fld id="{530820CF-B880-4189-942D-D702A7CBA730}" type="datetimeFigureOut">
               <a:rPr lang="zh-CN" altLang="en-US" smtClean="0"/>
               <a:pPr/>
-              <a:t>2017/9/2</a:t>
+              <a:t>2017/9/4</a:t>
             </a:fld>
             <a:endParaRPr lang="zh-CN" altLang="en-US"/>
           </a:p>
@@ -4676,6 +4677,60 @@
 </p:sld>
 </file>
 
+<file path=ppt/slides/slide10.xml><?xml version="1.0" encoding="utf-8"?>
+<p:sld xmlns:a="http://schemas.openxmlformats.org/drawingml/2006/main" xmlns:r="http://schemas.openxmlformats.org/officeDocument/2006/relationships" xmlns:p="http://schemas.openxmlformats.org/presentationml/2006/main">
+  <p:cSld>
+    <p:spTree>
+      <p:nvGrpSpPr>
+        <p:cNvPr id="1" name=""/>
+        <p:cNvGrpSpPr/>
+        <p:nvPr/>
+      </p:nvGrpSpPr>
+      <p:grpSpPr>
+        <a:xfrm>
+          <a:off x="0" y="0"/>
+          <a:ext cx="0" cy="0"/>
+          <a:chOff x="0" y="0"/>
+          <a:chExt cx="0" cy="0"/>
+        </a:xfrm>
+      </p:grpSpPr>
+      <p:sp>
+        <p:nvSpPr>
+          <p:cNvPr id="4" name="矩形 3"/>
+          <p:cNvSpPr/>
+          <p:nvPr/>
+        </p:nvSpPr>
+        <p:spPr>
+          <a:xfrm>
+            <a:off x="2786050" y="2357430"/>
+            <a:ext cx="3570319" cy="830997"/>
+          </a:xfrm>
+          <a:prstGeom prst="rect">
+            <a:avLst/>
+          </a:prstGeom>
+        </p:spPr>
+        <p:txBody>
+          <a:bodyPr wrap="square">
+            <a:spAutoFit/>
+          </a:bodyPr>
+          <a:lstStyle/>
+          <a:p>
+            <a:r>
+              <a:rPr lang="en-US" altLang="zh-CN" sz="4800" dirty="0" smtClean="0"/>
+              <a:t>Thank you!</a:t>
+            </a:r>
+            <a:endParaRPr lang="zh-CN" altLang="en-US" sz="4800" dirty="0"/>
+          </a:p>
+        </p:txBody>
+      </p:sp>
+    </p:spTree>
+  </p:cSld>
+  <p:clrMapOvr>
+    <a:masterClrMapping/>
+  </p:clrMapOvr>
+</p:sld>
+</file>
+
 <file path=ppt/slides/slide2.xml><?xml version="1.0" encoding="utf-8"?>
 <p:sld xmlns:a="http://schemas.openxmlformats.org/drawingml/2006/main" xmlns:r="http://schemas.openxmlformats.org/officeDocument/2006/relationships" xmlns:p="http://schemas.openxmlformats.org/presentationml/2006/main">
   <p:cSld>
@@ -5566,33 +5621,58 @@
       </p:grpSpPr>
       <p:sp>
         <p:nvSpPr>
-          <p:cNvPr id="4" name="矩形 3"/>
-          <p:cNvSpPr/>
-          <p:nvPr/>
-        </p:nvSpPr>
-        <p:spPr>
+          <p:cNvPr id="3" name="标题 2"/>
+          <p:cNvSpPr>
+            <a:spLocks noGrp="1"/>
+          </p:cNvSpPr>
+          <p:nvPr>
+            <p:ph type="title"/>
+          </p:nvPr>
+        </p:nvSpPr>
+        <p:spPr/>
+        <p:txBody>
+          <a:bodyPr/>
+          <a:lstStyle/>
+          <a:p>
+            <a:endParaRPr lang="zh-CN" altLang="en-US"/>
+          </a:p>
+        </p:txBody>
+      </p:sp>
+      <p:pic>
+        <p:nvPicPr>
+          <p:cNvPr id="1026" name="Picture 2"/>
+          <p:cNvPicPr>
+            <a:picLocks noGrp="1" noChangeAspect="1" noChangeArrowheads="1"/>
+          </p:cNvPicPr>
+          <p:nvPr>
+            <p:ph idx="1"/>
+          </p:nvPr>
+        </p:nvPicPr>
+        <p:blipFill>
+          <a:blip r:embed="rId2"/>
+          <a:srcRect/>
+          <a:stretch>
+            <a:fillRect/>
+          </a:stretch>
+        </p:blipFill>
+        <p:spPr bwMode="auto">
           <a:xfrm>
-            <a:off x="2786050" y="2357430"/>
-            <a:ext cx="3570319" cy="830997"/>
+            <a:off x="714348" y="2000240"/>
+            <a:ext cx="7586658" cy="2733627"/>
           </a:xfrm>
           <a:prstGeom prst="rect">
             <a:avLst/>
           </a:prstGeom>
+          <a:noFill/>
+          <a:ln w="9525">
+            <a:noFill/>
+            <a:miter lim="800000"/>
+            <a:headEnd/>
+            <a:tailEnd/>
+          </a:ln>
+          <a:effectLst/>
         </p:spPr>
-        <p:txBody>
-          <a:bodyPr wrap="square">
-            <a:spAutoFit/>
-          </a:bodyPr>
-          <a:lstStyle/>
-          <a:p>
-            <a:r>
-              <a:rPr lang="en-US" altLang="zh-CN" sz="4800" dirty="0" smtClean="0"/>
-              <a:t>Thank you!</a:t>
-            </a:r>
-            <a:endParaRPr lang="zh-CN" altLang="en-US" sz="4800" dirty="0"/>
-          </a:p>
-        </p:txBody>
-      </p:sp>
+      </p:pic>
     </p:spTree>
   </p:cSld>
   <p:clrMapOvr>

--- a/kaggle/kaggle实战案例分享.pptx
+++ b/kaggle/kaggle实战案例分享.pptx
@@ -13,8 +13,26 @@
     <p:sldId id="264" r:id="rId7"/>
     <p:sldId id="261" r:id="rId8"/>
     <p:sldId id="265" r:id="rId9"/>
-    <p:sldId id="266" r:id="rId10"/>
-    <p:sldId id="262" r:id="rId11"/>
+    <p:sldId id="267" r:id="rId10"/>
+    <p:sldId id="268" r:id="rId11"/>
+    <p:sldId id="269" r:id="rId12"/>
+    <p:sldId id="270" r:id="rId13"/>
+    <p:sldId id="271" r:id="rId14"/>
+    <p:sldId id="273" r:id="rId15"/>
+    <p:sldId id="272" r:id="rId16"/>
+    <p:sldId id="274" r:id="rId17"/>
+    <p:sldId id="275" r:id="rId18"/>
+    <p:sldId id="276" r:id="rId19"/>
+    <p:sldId id="277" r:id="rId20"/>
+    <p:sldId id="266" r:id="rId21"/>
+    <p:sldId id="278" r:id="rId22"/>
+    <p:sldId id="279" r:id="rId23"/>
+    <p:sldId id="280" r:id="rId24"/>
+    <p:sldId id="281" r:id="rId25"/>
+    <p:sldId id="282" r:id="rId26"/>
+    <p:sldId id="283" r:id="rId27"/>
+    <p:sldId id="284" r:id="rId28"/>
+    <p:sldId id="262" r:id="rId29"/>
   </p:sldIdLst>
   <p:sldSz cx="9144000" cy="6858000" type="screen4x3"/>
   <p:notesSz cx="6858000" cy="9144000"/>
@@ -742,7 +760,7 @@
             <a:fld id="{530820CF-B880-4189-942D-D702A7CBA730}" type="datetimeFigureOut">
               <a:rPr lang="zh-CN" altLang="en-US" smtClean="0"/>
               <a:pPr/>
-              <a:t>2017/9/4</a:t>
+              <a:t>2017/9/10</a:t>
             </a:fld>
             <a:endParaRPr lang="zh-CN" altLang="en-US"/>
           </a:p>
@@ -940,7 +958,7 @@
             <a:fld id="{530820CF-B880-4189-942D-D702A7CBA730}" type="datetimeFigureOut">
               <a:rPr lang="zh-CN" altLang="en-US" smtClean="0"/>
               <a:pPr/>
-              <a:t>2017/9/4</a:t>
+              <a:t>2017/9/10</a:t>
             </a:fld>
             <a:endParaRPr lang="zh-CN" altLang="en-US"/>
           </a:p>
@@ -1127,7 +1145,7 @@
             <a:fld id="{530820CF-B880-4189-942D-D702A7CBA730}" type="datetimeFigureOut">
               <a:rPr lang="zh-CN" altLang="en-US" smtClean="0"/>
               <a:pPr/>
-              <a:t>2017/9/4</a:t>
+              <a:t>2017/9/10</a:t>
             </a:fld>
             <a:endParaRPr lang="zh-CN" altLang="en-US"/>
           </a:p>
@@ -1279,7 +1297,7 @@
             <a:fld id="{530820CF-B880-4189-942D-D702A7CBA730}" type="datetimeFigureOut">
               <a:rPr lang="zh-CN" altLang="en-US" smtClean="0"/>
               <a:pPr/>
-              <a:t>2017/9/4</a:t>
+              <a:t>2017/9/10</a:t>
             </a:fld>
             <a:endParaRPr lang="zh-CN" altLang="en-US"/>
           </a:p>
@@ -1536,7 +1554,7 @@
             <a:fld id="{530820CF-B880-4189-942D-D702A7CBA730}" type="datetimeFigureOut">
               <a:rPr lang="zh-CN" altLang="en-US" smtClean="0"/>
               <a:pPr/>
-              <a:t>2017/9/4</a:t>
+              <a:t>2017/9/10</a:t>
             </a:fld>
             <a:endParaRPr lang="zh-CN" altLang="en-US"/>
           </a:p>
@@ -1947,7 +1965,7 @@
             <a:fld id="{530820CF-B880-4189-942D-D702A7CBA730}" type="datetimeFigureOut">
               <a:rPr lang="zh-CN" altLang="en-US" smtClean="0"/>
               <a:pPr/>
-              <a:t>2017/9/4</a:t>
+              <a:t>2017/9/10</a:t>
             </a:fld>
             <a:endParaRPr lang="zh-CN" altLang="en-US"/>
           </a:p>
@@ -2395,7 +2413,7 @@
             <a:fld id="{530820CF-B880-4189-942D-D702A7CBA730}" type="datetimeFigureOut">
               <a:rPr lang="zh-CN" altLang="en-US" smtClean="0"/>
               <a:pPr/>
-              <a:t>2017/9/4</a:t>
+              <a:t>2017/9/10</a:t>
             </a:fld>
             <a:endParaRPr lang="zh-CN" altLang="en-US"/>
           </a:p>
@@ -2498,7 +2516,7 @@
             <a:fld id="{530820CF-B880-4189-942D-D702A7CBA730}" type="datetimeFigureOut">
               <a:rPr lang="zh-CN" altLang="en-US" smtClean="0"/>
               <a:pPr/>
-              <a:t>2017/9/4</a:t>
+              <a:t>2017/9/10</a:t>
             </a:fld>
             <a:endParaRPr lang="zh-CN" altLang="en-US"/>
           </a:p>
@@ -2621,7 +2639,7 @@
             <a:fld id="{530820CF-B880-4189-942D-D702A7CBA730}" type="datetimeFigureOut">
               <a:rPr lang="zh-CN" altLang="en-US" smtClean="0"/>
               <a:pPr/>
-              <a:t>2017/9/4</a:t>
+              <a:t>2017/9/10</a:t>
             </a:fld>
             <a:endParaRPr lang="zh-CN" altLang="en-US"/>
           </a:p>
@@ -2897,7 +2915,7 @@
             <a:fld id="{530820CF-B880-4189-942D-D702A7CBA730}" type="datetimeFigureOut">
               <a:rPr lang="zh-CN" altLang="en-US" smtClean="0"/>
               <a:pPr/>
-              <a:t>2017/9/4</a:t>
+              <a:t>2017/9/10</a:t>
             </a:fld>
             <a:endParaRPr lang="zh-CN" altLang="en-US"/>
           </a:p>
@@ -3104,7 +3122,7 @@
             <a:fld id="{530820CF-B880-4189-942D-D702A7CBA730}" type="datetimeFigureOut">
               <a:rPr lang="zh-CN" altLang="en-US" smtClean="0"/>
               <a:pPr/>
-              <a:t>2017/9/4</a:t>
+              <a:t>2017/9/10</a:t>
             </a:fld>
             <a:endParaRPr lang="zh-CN" altLang="en-US"/>
           </a:p>
@@ -4215,7 +4233,7 @@
             <a:fld id="{530820CF-B880-4189-942D-D702A7CBA730}" type="datetimeFigureOut">
               <a:rPr lang="zh-CN" altLang="en-US" smtClean="0"/>
               <a:pPr/>
-              <a:t>2017/9/4</a:t>
+              <a:t>2017/9/10</a:t>
             </a:fld>
             <a:endParaRPr lang="zh-CN" altLang="en-US"/>
           </a:p>
@@ -4674,6 +4692,13 @@
   <p:clrMapOvr>
     <a:masterClrMapping/>
   </p:clrMapOvr>
+  <p:timing>
+    <p:tnLst>
+      <p:par>
+        <p:cTn id="1" dur="indefinite" restart="never" nodeType="tmRoot"/>
+      </p:par>
+    </p:tnLst>
+  </p:timing>
 </p:sld>
 </file>
 
@@ -4696,14 +4721,292 @@
       </p:grpSpPr>
       <p:sp>
         <p:nvSpPr>
+          <p:cNvPr id="2" name="内容占位符 1"/>
+          <p:cNvSpPr>
+            <a:spLocks noGrp="1"/>
+          </p:cNvSpPr>
+          <p:nvPr>
+            <p:ph idx="1"/>
+          </p:nvPr>
+        </p:nvSpPr>
+        <p:spPr/>
+        <p:txBody>
+          <a:bodyPr/>
+          <a:lstStyle/>
+          <a:p>
+            <a:endParaRPr lang="zh-CN" altLang="en-US"/>
+          </a:p>
+        </p:txBody>
+      </p:sp>
+      <p:sp>
+        <p:nvSpPr>
+          <p:cNvPr id="3" name="标题 2"/>
+          <p:cNvSpPr>
+            <a:spLocks noGrp="1"/>
+          </p:cNvSpPr>
+          <p:nvPr>
+            <p:ph type="title"/>
+          </p:nvPr>
+        </p:nvSpPr>
+        <p:spPr/>
+        <p:txBody>
+          <a:bodyPr/>
+          <a:lstStyle/>
+          <a:p>
+            <a:endParaRPr lang="zh-CN" altLang="en-US"/>
+          </a:p>
+        </p:txBody>
+      </p:sp>
+      <p:pic>
+        <p:nvPicPr>
+          <p:cNvPr id="3074" name="Picture 2"/>
+          <p:cNvPicPr>
+            <a:picLocks noChangeAspect="1" noChangeArrowheads="1"/>
+          </p:cNvPicPr>
+          <p:nvPr/>
+        </p:nvPicPr>
+        <p:blipFill>
+          <a:blip r:embed="rId2"/>
+          <a:srcRect/>
+          <a:stretch>
+            <a:fillRect/>
+          </a:stretch>
+        </p:blipFill>
+        <p:spPr bwMode="auto">
+          <a:xfrm>
+            <a:off x="1652588" y="1071563"/>
+            <a:ext cx="5838825" cy="4714875"/>
+          </a:xfrm>
+          <a:prstGeom prst="rect">
+            <a:avLst/>
+          </a:prstGeom>
+          <a:noFill/>
+          <a:ln w="9525">
+            <a:noFill/>
+            <a:miter lim="800000"/>
+            <a:headEnd/>
+            <a:tailEnd/>
+          </a:ln>
+          <a:effectLst/>
+        </p:spPr>
+      </p:pic>
+    </p:spTree>
+  </p:cSld>
+  <p:clrMapOvr>
+    <a:masterClrMapping/>
+  </p:clrMapOvr>
+  <p:timing>
+    <p:tnLst>
+      <p:par>
+        <p:cTn id="1" dur="indefinite" restart="never" nodeType="tmRoot"/>
+      </p:par>
+    </p:tnLst>
+  </p:timing>
+</p:sld>
+</file>
+
+<file path=ppt/slides/slide11.xml><?xml version="1.0" encoding="utf-8"?>
+<p:sld xmlns:a="http://schemas.openxmlformats.org/drawingml/2006/main" xmlns:r="http://schemas.openxmlformats.org/officeDocument/2006/relationships" xmlns:p="http://schemas.openxmlformats.org/presentationml/2006/main">
+  <p:cSld>
+    <p:spTree>
+      <p:nvGrpSpPr>
+        <p:cNvPr id="1" name=""/>
+        <p:cNvGrpSpPr/>
+        <p:nvPr/>
+      </p:nvGrpSpPr>
+      <p:grpSpPr>
+        <a:xfrm>
+          <a:off x="0" y="0"/>
+          <a:ext cx="0" cy="0"/>
+          <a:chOff x="0" y="0"/>
+          <a:chExt cx="0" cy="0"/>
+        </a:xfrm>
+      </p:grpSpPr>
+      <p:sp>
+        <p:nvSpPr>
+          <p:cNvPr id="2" name="内容占位符 1"/>
+          <p:cNvSpPr>
+            <a:spLocks noGrp="1"/>
+          </p:cNvSpPr>
+          <p:nvPr>
+            <p:ph idx="1"/>
+          </p:nvPr>
+        </p:nvSpPr>
+        <p:spPr/>
+        <p:txBody>
+          <a:bodyPr/>
+          <a:lstStyle/>
+          <a:p>
+            <a:r>
+              <a:rPr lang="zh-CN" altLang="en-US" dirty="0" smtClean="0"/>
+              <a:t>特征工程。</a:t>
+            </a:r>
+            <a:endParaRPr lang="en-US" altLang="zh-CN" dirty="0" smtClean="0"/>
+          </a:p>
+          <a:p>
+            <a:r>
+              <a:rPr lang="zh-CN" altLang="en-US" dirty="0" smtClean="0"/>
+              <a:t>补</a:t>
+            </a:r>
+            <a:r>
+              <a:rPr lang="zh-CN" altLang="en-US" dirty="0" smtClean="0"/>
+              <a:t>全空数据</a:t>
+            </a:r>
+            <a:r>
+              <a:rPr lang="zh-CN" altLang="en-US" dirty="0" smtClean="0"/>
+              <a:t>。</a:t>
+            </a:r>
+            <a:r>
+              <a:rPr lang="zh-CN" altLang="en-US" dirty="0" smtClean="0"/>
+              <a:t>以年龄、票价、兄弟姐妹、父母子女等特征，推算年龄（这里使用随机森林算法进行推算）。</a:t>
+            </a:r>
+            <a:endParaRPr lang="en-US" altLang="zh-CN" dirty="0" smtClean="0"/>
+          </a:p>
+          <a:p>
+            <a:r>
+              <a:rPr lang="zh-CN" altLang="en-US" dirty="0" smtClean="0"/>
+              <a:t>船仓号使用方式有待挖掘，先简单标识为是否填写，用</a:t>
+            </a:r>
+            <a:r>
+              <a:rPr lang="en-US" altLang="zh-CN" dirty="0" smtClean="0"/>
+              <a:t>Yes</a:t>
+            </a:r>
+            <a:r>
+              <a:rPr lang="zh-CN" altLang="en-US" dirty="0" smtClean="0"/>
+              <a:t>和</a:t>
+            </a:r>
+            <a:r>
+              <a:rPr lang="en-US" altLang="zh-CN" dirty="0" smtClean="0"/>
+              <a:t>No</a:t>
+            </a:r>
+            <a:r>
+              <a:rPr lang="zh-CN" altLang="en-US" dirty="0" smtClean="0"/>
+              <a:t>填充。</a:t>
+            </a:r>
+            <a:endParaRPr lang="en-US" altLang="zh-CN" dirty="0" smtClean="0"/>
+          </a:p>
+          <a:p>
+            <a:r>
+              <a:rPr lang="zh-CN" altLang="en-US" dirty="0" smtClean="0"/>
+              <a:t>表示</a:t>
+            </a:r>
+            <a:r>
+              <a:rPr lang="zh-CN" altLang="en-US" dirty="0" smtClean="0"/>
+              <a:t>分类的数据展开。</a:t>
+            </a:r>
+            <a:endParaRPr lang="en-US" altLang="zh-CN" dirty="0" smtClean="0"/>
+          </a:p>
+          <a:p>
+            <a:r>
+              <a:rPr lang="zh-CN" altLang="en-US" dirty="0" smtClean="0"/>
+              <a:t>年龄票价等数据通过均值、标准差缩放。使其和其他特征在同权重下处理。</a:t>
+            </a:r>
+            <a:endParaRPr lang="en-US" altLang="zh-CN" dirty="0" smtClean="0"/>
+          </a:p>
+          <a:p>
+            <a:endParaRPr lang="en-US" altLang="zh-CN" dirty="0" smtClean="0"/>
+          </a:p>
+        </p:txBody>
+      </p:sp>
+      <p:sp>
+        <p:nvSpPr>
+          <p:cNvPr id="3" name="标题 2"/>
+          <p:cNvSpPr>
+            <a:spLocks noGrp="1"/>
+          </p:cNvSpPr>
+          <p:nvPr>
+            <p:ph type="title"/>
+          </p:nvPr>
+        </p:nvSpPr>
+        <p:spPr/>
+        <p:txBody>
+          <a:bodyPr/>
+          <a:lstStyle/>
+          <a:p>
+            <a:endParaRPr lang="zh-CN" altLang="en-US"/>
+          </a:p>
+        </p:txBody>
+      </p:sp>
+    </p:spTree>
+  </p:cSld>
+  <p:clrMapOvr>
+    <a:masterClrMapping/>
+  </p:clrMapOvr>
+  <p:timing>
+    <p:tnLst>
+      <p:par>
+        <p:cTn id="1" dur="indefinite" restart="never" nodeType="tmRoot"/>
+      </p:par>
+    </p:tnLst>
+  </p:timing>
+</p:sld>
+</file>
+
+<file path=ppt/slides/slide12.xml><?xml version="1.0" encoding="utf-8"?>
+<p:sld xmlns:a="http://schemas.openxmlformats.org/drawingml/2006/main" xmlns:r="http://schemas.openxmlformats.org/officeDocument/2006/relationships" xmlns:p="http://schemas.openxmlformats.org/presentationml/2006/main">
+  <p:cSld>
+    <p:spTree>
+      <p:nvGrpSpPr>
+        <p:cNvPr id="1" name=""/>
+        <p:cNvGrpSpPr/>
+        <p:nvPr/>
+      </p:nvGrpSpPr>
+      <p:grpSpPr>
+        <a:xfrm>
+          <a:off x="0" y="0"/>
+          <a:ext cx="0" cy="0"/>
+          <a:chOff x="0" y="0"/>
+          <a:chExt cx="0" cy="0"/>
+        </a:xfrm>
+      </p:grpSpPr>
+      <p:sp>
+        <p:nvSpPr>
+          <p:cNvPr id="2" name="内容占位符 1"/>
+          <p:cNvSpPr>
+            <a:spLocks noGrp="1"/>
+          </p:cNvSpPr>
+          <p:nvPr>
+            <p:ph idx="1"/>
+          </p:nvPr>
+        </p:nvSpPr>
+        <p:spPr/>
+        <p:txBody>
+          <a:bodyPr/>
+          <a:lstStyle/>
+          <a:p>
+            <a:endParaRPr lang="zh-CN" altLang="en-US"/>
+          </a:p>
+        </p:txBody>
+      </p:sp>
+      <p:sp>
+        <p:nvSpPr>
+          <p:cNvPr id="3" name="标题 2"/>
+          <p:cNvSpPr>
+            <a:spLocks noGrp="1"/>
+          </p:cNvSpPr>
+          <p:nvPr>
+            <p:ph type="title"/>
+          </p:nvPr>
+        </p:nvSpPr>
+        <p:spPr/>
+        <p:txBody>
+          <a:bodyPr/>
+          <a:lstStyle/>
+          <a:p>
+            <a:endParaRPr lang="zh-CN" altLang="en-US"/>
+          </a:p>
+        </p:txBody>
+      </p:sp>
+      <p:sp>
+        <p:nvSpPr>
           <p:cNvPr id="4" name="矩形 3"/>
           <p:cNvSpPr/>
           <p:nvPr/>
         </p:nvSpPr>
         <p:spPr>
           <a:xfrm>
-            <a:off x="2786050" y="2357430"/>
-            <a:ext cx="3570319" cy="830997"/>
+            <a:off x="928662" y="1214422"/>
+            <a:ext cx="7715304" cy="4524315"/>
           </a:xfrm>
           <a:prstGeom prst="rect">
             <a:avLst/>
@@ -4716,10 +5019,126 @@
           <a:lstStyle/>
           <a:p>
             <a:r>
-              <a:rPr lang="en-US" altLang="zh-CN" sz="4800" dirty="0" smtClean="0"/>
-              <a:t>Thank you!</a:t>
-            </a:r>
-            <a:endParaRPr lang="zh-CN" altLang="en-US" sz="4800" dirty="0"/>
+              <a:rPr lang="en-US" altLang="zh-CN" dirty="0" smtClean="0"/>
+              <a:t>age_df = data_train[['Age','Fare', 'Parch', 'SibSp', 'Pclass']]</a:t>
+            </a:r>
+          </a:p>
+          <a:p>
+            <a:r>
+              <a:rPr lang="en-US" altLang="zh-CN" dirty="0" smtClean="0"/>
+              <a:t># </a:t>
+            </a:r>
+            <a:r>
+              <a:rPr lang="zh-CN" altLang="en-US" dirty="0" smtClean="0"/>
+              <a:t>乘客分成已知年龄和未知年龄两部分</a:t>
+            </a:r>
+          </a:p>
+          <a:p>
+            <a:r>
+              <a:rPr lang="en-US" altLang="zh-CN" dirty="0" smtClean="0"/>
+              <a:t>known_age = age_df[age_df.Age.notnull()].as_matrix()</a:t>
+            </a:r>
+          </a:p>
+          <a:p>
+            <a:r>
+              <a:rPr lang="en-US" altLang="zh-CN" dirty="0" smtClean="0"/>
+              <a:t>unknown_age = age_df[age_df.Age.isnull()].as_matrix()</a:t>
+            </a:r>
+          </a:p>
+          <a:p>
+            <a:r>
+              <a:rPr lang="en-US" altLang="zh-CN" dirty="0" smtClean="0"/>
+              <a:t># y</a:t>
+            </a:r>
+            <a:r>
+              <a:rPr lang="zh-CN" altLang="en-US" dirty="0" smtClean="0"/>
+              <a:t>即目标年龄</a:t>
+            </a:r>
+          </a:p>
+          <a:p>
+            <a:r>
+              <a:rPr lang="en-US" altLang="zh-CN" dirty="0" smtClean="0"/>
+              <a:t>y = known_age[:, 0]</a:t>
+            </a:r>
+          </a:p>
+          <a:p>
+            <a:r>
+              <a:rPr lang="en-US" altLang="zh-CN" dirty="0" smtClean="0"/>
+              <a:t># X</a:t>
+            </a:r>
+            <a:r>
+              <a:rPr lang="zh-CN" altLang="en-US" dirty="0" smtClean="0"/>
+              <a:t>即特征属性值</a:t>
+            </a:r>
+          </a:p>
+          <a:p>
+            <a:r>
+              <a:rPr lang="en-US" altLang="zh-CN" dirty="0" smtClean="0"/>
+              <a:t>X = known_age[:, 1:]</a:t>
+            </a:r>
+          </a:p>
+          <a:p>
+            <a:r>
+              <a:rPr lang="en-US" altLang="zh-CN" dirty="0" smtClean="0"/>
+              <a:t># fit</a:t>
+            </a:r>
+            <a:r>
+              <a:rPr lang="zh-CN" altLang="en-US" dirty="0" smtClean="0"/>
+              <a:t>到</a:t>
+            </a:r>
+            <a:r>
+              <a:rPr lang="en-US" altLang="zh-CN" dirty="0" smtClean="0"/>
+              <a:t>RandomForestRegressor</a:t>
+            </a:r>
+            <a:r>
+              <a:rPr lang="zh-CN" altLang="en-US" dirty="0" smtClean="0"/>
+              <a:t>之中</a:t>
+            </a:r>
+          </a:p>
+          <a:p>
+            <a:r>
+              <a:rPr lang="en-US" altLang="zh-CN" dirty="0" smtClean="0"/>
+              <a:t>rfr = RandomForestRegressor(random_state=0, n_estimators=2000, n_jobs=-1)</a:t>
+            </a:r>
+          </a:p>
+          <a:p>
+            <a:r>
+              <a:rPr lang="en-US" altLang="zh-CN" dirty="0" smtClean="0"/>
+              <a:t>rfr.fit(X, y)</a:t>
+            </a:r>
+          </a:p>
+          <a:p>
+            <a:r>
+              <a:rPr lang="en-US" altLang="zh-CN" dirty="0" smtClean="0"/>
+              <a:t># </a:t>
+            </a:r>
+            <a:r>
+              <a:rPr lang="zh-CN" altLang="en-US" dirty="0" smtClean="0"/>
+              <a:t>用得到的模型进行未知年龄结果预测</a:t>
+            </a:r>
+          </a:p>
+          <a:p>
+            <a:r>
+              <a:rPr lang="en-US" altLang="zh-CN" dirty="0" smtClean="0"/>
+              <a:t>predictedAges = rfr.predict(unknown_age[:, 1::])</a:t>
+            </a:r>
+          </a:p>
+          <a:p>
+            <a:r>
+              <a:rPr lang="en-US" altLang="zh-CN" dirty="0" smtClean="0"/>
+              <a:t># </a:t>
+            </a:r>
+            <a:r>
+              <a:rPr lang="zh-CN" altLang="en-US" dirty="0" smtClean="0"/>
+              <a:t>用得到的预测结果填补原缺失数据</a:t>
+            </a:r>
+          </a:p>
+          <a:p>
+            <a:r>
+              <a:rPr lang="en-US" altLang="zh-CN" dirty="0" smtClean="0"/>
+              <a:t>data_train.loc[ (data_train.Age.isnull()), 'Age' ] = predictedAges</a:t>
+            </a:r>
+            <a:endParaRPr lang="zh-CN" altLang="en-US" dirty="0"/>
           </a:p>
         </p:txBody>
       </p:sp>
@@ -4728,6 +5147,874 @@
   <p:clrMapOvr>
     <a:masterClrMapping/>
   </p:clrMapOvr>
+  <p:timing>
+    <p:tnLst>
+      <p:par>
+        <p:cTn id="1" dur="indefinite" restart="never" nodeType="tmRoot"/>
+      </p:par>
+    </p:tnLst>
+  </p:timing>
+</p:sld>
+</file>
+
+<file path=ppt/slides/slide13.xml><?xml version="1.0" encoding="utf-8"?>
+<p:sld xmlns:a="http://schemas.openxmlformats.org/drawingml/2006/main" xmlns:r="http://schemas.openxmlformats.org/officeDocument/2006/relationships" xmlns:p="http://schemas.openxmlformats.org/presentationml/2006/main">
+  <p:cSld>
+    <p:spTree>
+      <p:nvGrpSpPr>
+        <p:cNvPr id="1" name=""/>
+        <p:cNvGrpSpPr/>
+        <p:nvPr/>
+      </p:nvGrpSpPr>
+      <p:grpSpPr>
+        <a:xfrm>
+          <a:off x="0" y="0"/>
+          <a:ext cx="0" cy="0"/>
+          <a:chOff x="0" y="0"/>
+          <a:chExt cx="0" cy="0"/>
+        </a:xfrm>
+      </p:grpSpPr>
+      <p:sp>
+        <p:nvSpPr>
+          <p:cNvPr id="2" name="内容占位符 1"/>
+          <p:cNvSpPr>
+            <a:spLocks noGrp="1"/>
+          </p:cNvSpPr>
+          <p:nvPr>
+            <p:ph idx="1"/>
+          </p:nvPr>
+        </p:nvSpPr>
+        <p:spPr/>
+        <p:txBody>
+          <a:bodyPr/>
+          <a:lstStyle/>
+          <a:p>
+            <a:endParaRPr lang="zh-CN" altLang="en-US"/>
+          </a:p>
+        </p:txBody>
+      </p:sp>
+      <p:sp>
+        <p:nvSpPr>
+          <p:cNvPr id="3" name="标题 2"/>
+          <p:cNvSpPr>
+            <a:spLocks noGrp="1"/>
+          </p:cNvSpPr>
+          <p:nvPr>
+            <p:ph type="title"/>
+          </p:nvPr>
+        </p:nvSpPr>
+        <p:spPr/>
+        <p:txBody>
+          <a:bodyPr/>
+          <a:lstStyle/>
+          <a:p>
+            <a:endParaRPr lang="zh-CN" altLang="en-US"/>
+          </a:p>
+        </p:txBody>
+      </p:sp>
+      <p:pic>
+        <p:nvPicPr>
+          <p:cNvPr id="4098" name="Picture 2"/>
+          <p:cNvPicPr>
+            <a:picLocks noChangeAspect="1" noChangeArrowheads="1"/>
+          </p:cNvPicPr>
+          <p:nvPr/>
+        </p:nvPicPr>
+        <p:blipFill>
+          <a:blip r:embed="rId2"/>
+          <a:srcRect/>
+          <a:stretch>
+            <a:fillRect/>
+          </a:stretch>
+        </p:blipFill>
+        <p:spPr bwMode="auto">
+          <a:xfrm>
+            <a:off x="1571604" y="1714488"/>
+            <a:ext cx="6210300" cy="4219575"/>
+          </a:xfrm>
+          <a:prstGeom prst="rect">
+            <a:avLst/>
+          </a:prstGeom>
+          <a:noFill/>
+          <a:ln w="9525">
+            <a:noFill/>
+            <a:miter lim="800000"/>
+            <a:headEnd/>
+            <a:tailEnd/>
+          </a:ln>
+          <a:effectLst/>
+        </p:spPr>
+      </p:pic>
+    </p:spTree>
+  </p:cSld>
+  <p:clrMapOvr>
+    <a:masterClrMapping/>
+  </p:clrMapOvr>
+  <p:timing>
+    <p:tnLst>
+      <p:par>
+        <p:cTn id="1" dur="indefinite" restart="never" nodeType="tmRoot"/>
+      </p:par>
+    </p:tnLst>
+  </p:timing>
+</p:sld>
+</file>
+
+<file path=ppt/slides/slide14.xml><?xml version="1.0" encoding="utf-8"?>
+<p:sld xmlns:a="http://schemas.openxmlformats.org/drawingml/2006/main" xmlns:r="http://schemas.openxmlformats.org/officeDocument/2006/relationships" xmlns:p="http://schemas.openxmlformats.org/presentationml/2006/main">
+  <p:cSld>
+    <p:spTree>
+      <p:nvGrpSpPr>
+        <p:cNvPr id="1" name=""/>
+        <p:cNvGrpSpPr/>
+        <p:nvPr/>
+      </p:nvGrpSpPr>
+      <p:grpSpPr>
+        <a:xfrm>
+          <a:off x="0" y="0"/>
+          <a:ext cx="0" cy="0"/>
+          <a:chOff x="0" y="0"/>
+          <a:chExt cx="0" cy="0"/>
+        </a:xfrm>
+      </p:grpSpPr>
+      <p:sp>
+        <p:nvSpPr>
+          <p:cNvPr id="2" name="内容占位符 1"/>
+          <p:cNvSpPr>
+            <a:spLocks noGrp="1"/>
+          </p:cNvSpPr>
+          <p:nvPr>
+            <p:ph idx="1"/>
+          </p:nvPr>
+        </p:nvSpPr>
+        <p:spPr/>
+        <p:txBody>
+          <a:bodyPr/>
+          <a:lstStyle/>
+          <a:p>
+            <a:endParaRPr lang="zh-CN" altLang="en-US"/>
+          </a:p>
+        </p:txBody>
+      </p:sp>
+      <p:sp>
+        <p:nvSpPr>
+          <p:cNvPr id="3" name="标题 2"/>
+          <p:cNvSpPr>
+            <a:spLocks noGrp="1"/>
+          </p:cNvSpPr>
+          <p:nvPr>
+            <p:ph type="title"/>
+          </p:nvPr>
+        </p:nvSpPr>
+        <p:spPr/>
+        <p:txBody>
+          <a:bodyPr/>
+          <a:lstStyle/>
+          <a:p>
+            <a:endParaRPr lang="zh-CN" altLang="en-US"/>
+          </a:p>
+        </p:txBody>
+      </p:sp>
+      <p:sp>
+        <p:nvSpPr>
+          <p:cNvPr id="4" name="矩形 3"/>
+          <p:cNvSpPr/>
+          <p:nvPr/>
+        </p:nvSpPr>
+        <p:spPr>
+          <a:xfrm>
+            <a:off x="928662" y="2071678"/>
+            <a:ext cx="7358114" cy="2585323"/>
+          </a:xfrm>
+          <a:prstGeom prst="rect">
+            <a:avLst/>
+          </a:prstGeom>
+        </p:spPr>
+        <p:txBody>
+          <a:bodyPr wrap="square">
+            <a:spAutoFit/>
+          </a:bodyPr>
+          <a:lstStyle/>
+          <a:p>
+            <a:r>
+              <a:rPr lang="en-US" altLang="zh-CN" dirty="0" smtClean="0"/>
+              <a:t>dummies_Cabin = pd.get_dummies(data_train['Cabin'], prefix= 'Cabin')</a:t>
+            </a:r>
+          </a:p>
+          <a:p>
+            <a:r>
+              <a:rPr lang="en-US" altLang="zh-CN" dirty="0" smtClean="0"/>
+              <a:t>dummies_Embarked = pd.get_dummies(data_train['Embarked'], prefix= 'Embarked')</a:t>
+            </a:r>
+          </a:p>
+          <a:p>
+            <a:r>
+              <a:rPr lang="en-US" altLang="zh-CN" dirty="0" smtClean="0"/>
+              <a:t>dummies_Sex = pd.get_dummies(data_train['Sex'], prefix= 'Sex')</a:t>
+            </a:r>
+          </a:p>
+          <a:p>
+            <a:r>
+              <a:rPr lang="en-US" altLang="zh-CN" dirty="0" smtClean="0"/>
+              <a:t>dummies_Pclass = pd.get_dummies(data_train['Pclass'], prefix= 'Pclass')</a:t>
+            </a:r>
+          </a:p>
+          <a:p>
+            <a:r>
+              <a:rPr lang="en-US" altLang="zh-CN" dirty="0" smtClean="0"/>
+              <a:t>data_train_c = pd.concat([data_train, dummies_Cabin, dummies_Embarked, dummies_Sex, dummies_Pclass], axis=1)</a:t>
+            </a:r>
+            <a:endParaRPr lang="en-US" altLang="zh-CN" dirty="0"/>
+          </a:p>
+        </p:txBody>
+      </p:sp>
+    </p:spTree>
+  </p:cSld>
+  <p:clrMapOvr>
+    <a:masterClrMapping/>
+  </p:clrMapOvr>
+  <p:timing>
+    <p:tnLst>
+      <p:par>
+        <p:cTn id="1" dur="indefinite" restart="never" nodeType="tmRoot"/>
+      </p:par>
+    </p:tnLst>
+  </p:timing>
+</p:sld>
+</file>
+
+<file path=ppt/slides/slide15.xml><?xml version="1.0" encoding="utf-8"?>
+<p:sld xmlns:a="http://schemas.openxmlformats.org/drawingml/2006/main" xmlns:r="http://schemas.openxmlformats.org/officeDocument/2006/relationships" xmlns:p="http://schemas.openxmlformats.org/presentationml/2006/main">
+  <p:cSld>
+    <p:spTree>
+      <p:nvGrpSpPr>
+        <p:cNvPr id="1" name=""/>
+        <p:cNvGrpSpPr/>
+        <p:nvPr/>
+      </p:nvGrpSpPr>
+      <p:grpSpPr>
+        <a:xfrm>
+          <a:off x="0" y="0"/>
+          <a:ext cx="0" cy="0"/>
+          <a:chOff x="0" y="0"/>
+          <a:chExt cx="0" cy="0"/>
+        </a:xfrm>
+      </p:grpSpPr>
+      <p:sp>
+        <p:nvSpPr>
+          <p:cNvPr id="3" name="标题 2"/>
+          <p:cNvSpPr>
+            <a:spLocks noGrp="1"/>
+          </p:cNvSpPr>
+          <p:nvPr>
+            <p:ph type="title"/>
+          </p:nvPr>
+        </p:nvSpPr>
+        <p:spPr/>
+        <p:txBody>
+          <a:bodyPr/>
+          <a:lstStyle/>
+          <a:p>
+            <a:endParaRPr lang="zh-CN" altLang="en-US"/>
+          </a:p>
+        </p:txBody>
+      </p:sp>
+      <p:pic>
+        <p:nvPicPr>
+          <p:cNvPr id="5122" name="Picture 2"/>
+          <p:cNvPicPr>
+            <a:picLocks noGrp="1" noChangeAspect="1" noChangeArrowheads="1"/>
+          </p:cNvPicPr>
+          <p:nvPr>
+            <p:ph idx="1"/>
+          </p:nvPr>
+        </p:nvPicPr>
+        <p:blipFill>
+          <a:blip r:embed="rId2"/>
+          <a:srcRect/>
+          <a:stretch>
+            <a:fillRect/>
+          </a:stretch>
+        </p:blipFill>
+        <p:spPr bwMode="auto">
+          <a:xfrm>
+            <a:off x="1548190" y="1910785"/>
+            <a:ext cx="6047619" cy="3666667"/>
+          </a:xfrm>
+          <a:prstGeom prst="rect">
+            <a:avLst/>
+          </a:prstGeom>
+          <a:noFill/>
+          <a:ln w="9525">
+            <a:noFill/>
+            <a:miter lim="800000"/>
+            <a:headEnd/>
+            <a:tailEnd/>
+          </a:ln>
+          <a:effectLst/>
+        </p:spPr>
+      </p:pic>
+    </p:spTree>
+  </p:cSld>
+  <p:clrMapOvr>
+    <a:masterClrMapping/>
+  </p:clrMapOvr>
+  <p:timing>
+    <p:tnLst>
+      <p:par>
+        <p:cTn id="1" dur="indefinite" restart="never" nodeType="tmRoot"/>
+      </p:par>
+    </p:tnLst>
+  </p:timing>
+</p:sld>
+</file>
+
+<file path=ppt/slides/slide16.xml><?xml version="1.0" encoding="utf-8"?>
+<p:sld xmlns:a="http://schemas.openxmlformats.org/drawingml/2006/main" xmlns:r="http://schemas.openxmlformats.org/officeDocument/2006/relationships" xmlns:p="http://schemas.openxmlformats.org/presentationml/2006/main">
+  <p:cSld>
+    <p:spTree>
+      <p:nvGrpSpPr>
+        <p:cNvPr id="1" name=""/>
+        <p:cNvGrpSpPr/>
+        <p:nvPr/>
+      </p:nvGrpSpPr>
+      <p:grpSpPr>
+        <a:xfrm>
+          <a:off x="0" y="0"/>
+          <a:ext cx="0" cy="0"/>
+          <a:chOff x="0" y="0"/>
+          <a:chExt cx="0" cy="0"/>
+        </a:xfrm>
+      </p:grpSpPr>
+      <p:sp>
+        <p:nvSpPr>
+          <p:cNvPr id="2" name="内容占位符 1"/>
+          <p:cNvSpPr>
+            <a:spLocks noGrp="1"/>
+          </p:cNvSpPr>
+          <p:nvPr>
+            <p:ph idx="1"/>
+          </p:nvPr>
+        </p:nvSpPr>
+        <p:spPr/>
+        <p:txBody>
+          <a:bodyPr/>
+          <a:lstStyle/>
+          <a:p>
+            <a:endParaRPr lang="zh-CN" altLang="en-US" dirty="0"/>
+          </a:p>
+        </p:txBody>
+      </p:sp>
+      <p:sp>
+        <p:nvSpPr>
+          <p:cNvPr id="3" name="标题 2"/>
+          <p:cNvSpPr>
+            <a:spLocks noGrp="1"/>
+          </p:cNvSpPr>
+          <p:nvPr>
+            <p:ph type="title"/>
+          </p:nvPr>
+        </p:nvSpPr>
+        <p:spPr/>
+        <p:txBody>
+          <a:bodyPr/>
+          <a:lstStyle/>
+          <a:p>
+            <a:endParaRPr lang="zh-CN" altLang="en-US"/>
+          </a:p>
+        </p:txBody>
+      </p:sp>
+      <p:sp>
+        <p:nvSpPr>
+          <p:cNvPr id="4" name="矩形 3"/>
+          <p:cNvSpPr/>
+          <p:nvPr/>
+        </p:nvSpPr>
+        <p:spPr>
+          <a:xfrm>
+            <a:off x="1071538" y="1928802"/>
+            <a:ext cx="7072362" cy="2031325"/>
+          </a:xfrm>
+          <a:prstGeom prst="rect">
+            <a:avLst/>
+          </a:prstGeom>
+        </p:spPr>
+        <p:txBody>
+          <a:bodyPr wrap="square">
+            <a:spAutoFit/>
+          </a:bodyPr>
+          <a:lstStyle/>
+          <a:p>
+            <a:r>
+              <a:rPr lang="en-US" altLang="zh-CN" dirty="0" smtClean="0"/>
+              <a:t>scaler = preprocessing.StandardScaler()</a:t>
+            </a:r>
+          </a:p>
+          <a:p>
+            <a:r>
+              <a:rPr lang="en-US" altLang="zh-CN" dirty="0" smtClean="0"/>
+              <a:t>reshape_age = data_train_c['Age'].reshape(-1,1)</a:t>
+            </a:r>
+          </a:p>
+          <a:p>
+            <a:r>
+              <a:rPr lang="en-US" altLang="zh-CN" dirty="0" smtClean="0"/>
+              <a:t>reshape_fare = data_train_c['Fare'].reshape(-1,1)</a:t>
+            </a:r>
+          </a:p>
+          <a:p>
+            <a:r>
+              <a:rPr lang="en-US" altLang="zh-CN" dirty="0" smtClean="0"/>
+              <a:t>data_train_c['Age_scaled'] = scaler.fit_transform(reshape_age, scaler.fit(reshape_age))</a:t>
+            </a:r>
+          </a:p>
+          <a:p>
+            <a:r>
+              <a:rPr lang="en-US" altLang="zh-CN" dirty="0" smtClean="0"/>
+              <a:t>data_train_c['Fare_scaled'] = scaler.fit_transform(reshape_fare, scaler.fit(reshape_fare))</a:t>
+            </a:r>
+            <a:endParaRPr lang="zh-CN" altLang="en-US" dirty="0"/>
+          </a:p>
+        </p:txBody>
+      </p:sp>
+    </p:spTree>
+  </p:cSld>
+  <p:clrMapOvr>
+    <a:masterClrMapping/>
+  </p:clrMapOvr>
+  <p:timing>
+    <p:tnLst>
+      <p:par>
+        <p:cTn id="1" dur="indefinite" restart="never" nodeType="tmRoot"/>
+      </p:par>
+    </p:tnLst>
+  </p:timing>
+</p:sld>
+</file>
+
+<file path=ppt/slides/slide17.xml><?xml version="1.0" encoding="utf-8"?>
+<p:sld xmlns:a="http://schemas.openxmlformats.org/drawingml/2006/main" xmlns:r="http://schemas.openxmlformats.org/officeDocument/2006/relationships" xmlns:p="http://schemas.openxmlformats.org/presentationml/2006/main">
+  <p:cSld>
+    <p:spTree>
+      <p:nvGrpSpPr>
+        <p:cNvPr id="1" name=""/>
+        <p:cNvGrpSpPr/>
+        <p:nvPr/>
+      </p:nvGrpSpPr>
+      <p:grpSpPr>
+        <a:xfrm>
+          <a:off x="0" y="0"/>
+          <a:ext cx="0" cy="0"/>
+          <a:chOff x="0" y="0"/>
+          <a:chExt cx="0" cy="0"/>
+        </a:xfrm>
+      </p:grpSpPr>
+      <p:sp>
+        <p:nvSpPr>
+          <p:cNvPr id="2" name="内容占位符 1"/>
+          <p:cNvSpPr>
+            <a:spLocks noGrp="1"/>
+          </p:cNvSpPr>
+          <p:nvPr>
+            <p:ph idx="1"/>
+          </p:nvPr>
+        </p:nvSpPr>
+        <p:spPr/>
+        <p:txBody>
+          <a:bodyPr/>
+          <a:lstStyle/>
+          <a:p>
+            <a:endParaRPr lang="zh-CN" altLang="en-US"/>
+          </a:p>
+        </p:txBody>
+      </p:sp>
+      <p:sp>
+        <p:nvSpPr>
+          <p:cNvPr id="3" name="标题 2"/>
+          <p:cNvSpPr>
+            <a:spLocks noGrp="1"/>
+          </p:cNvSpPr>
+          <p:nvPr>
+            <p:ph type="title"/>
+          </p:nvPr>
+        </p:nvSpPr>
+        <p:spPr/>
+        <p:txBody>
+          <a:bodyPr/>
+          <a:lstStyle/>
+          <a:p>
+            <a:endParaRPr lang="zh-CN" altLang="en-US"/>
+          </a:p>
+        </p:txBody>
+      </p:sp>
+      <p:pic>
+        <p:nvPicPr>
+          <p:cNvPr id="6146" name="Picture 2"/>
+          <p:cNvPicPr>
+            <a:picLocks noChangeAspect="1" noChangeArrowheads="1"/>
+          </p:cNvPicPr>
+          <p:nvPr/>
+        </p:nvPicPr>
+        <p:blipFill>
+          <a:blip r:embed="rId2"/>
+          <a:srcRect/>
+          <a:stretch>
+            <a:fillRect/>
+          </a:stretch>
+        </p:blipFill>
+        <p:spPr bwMode="auto">
+          <a:xfrm>
+            <a:off x="2571736" y="1428736"/>
+            <a:ext cx="3152775" cy="3952875"/>
+          </a:xfrm>
+          <a:prstGeom prst="rect">
+            <a:avLst/>
+          </a:prstGeom>
+          <a:noFill/>
+          <a:ln w="9525">
+            <a:noFill/>
+            <a:miter lim="800000"/>
+            <a:headEnd/>
+            <a:tailEnd/>
+          </a:ln>
+          <a:effectLst/>
+        </p:spPr>
+      </p:pic>
+    </p:spTree>
+  </p:cSld>
+  <p:clrMapOvr>
+    <a:masterClrMapping/>
+  </p:clrMapOvr>
+  <p:timing>
+    <p:tnLst>
+      <p:par>
+        <p:cTn id="1" dur="indefinite" restart="never" nodeType="tmRoot"/>
+      </p:par>
+    </p:tnLst>
+  </p:timing>
+</p:sld>
+</file>
+
+<file path=ppt/slides/slide18.xml><?xml version="1.0" encoding="utf-8"?>
+<p:sld xmlns:a="http://schemas.openxmlformats.org/drawingml/2006/main" xmlns:r="http://schemas.openxmlformats.org/officeDocument/2006/relationships" xmlns:p="http://schemas.openxmlformats.org/presentationml/2006/main">
+  <p:cSld>
+    <p:spTree>
+      <p:nvGrpSpPr>
+        <p:cNvPr id="1" name=""/>
+        <p:cNvGrpSpPr/>
+        <p:nvPr/>
+      </p:nvGrpSpPr>
+      <p:grpSpPr>
+        <a:xfrm>
+          <a:off x="0" y="0"/>
+          <a:ext cx="0" cy="0"/>
+          <a:chOff x="0" y="0"/>
+          <a:chExt cx="0" cy="0"/>
+        </a:xfrm>
+      </p:grpSpPr>
+      <p:sp>
+        <p:nvSpPr>
+          <p:cNvPr id="2" name="内容占位符 1"/>
+          <p:cNvSpPr>
+            <a:spLocks noGrp="1"/>
+          </p:cNvSpPr>
+          <p:nvPr>
+            <p:ph idx="1"/>
+          </p:nvPr>
+        </p:nvSpPr>
+        <p:spPr/>
+        <p:txBody>
+          <a:bodyPr/>
+          <a:lstStyle/>
+          <a:p>
+            <a:r>
+              <a:rPr lang="zh-CN" altLang="en-US" dirty="0" smtClean="0"/>
+              <a:t>用</a:t>
+            </a:r>
+            <a:r>
+              <a:rPr lang="en-US" altLang="zh-CN" dirty="0" smtClean="0"/>
+              <a:t>LogisticRegression</a:t>
+            </a:r>
+            <a:r>
+              <a:rPr lang="zh-CN" altLang="en-US" dirty="0" smtClean="0"/>
+              <a:t>算法进行训练</a:t>
+            </a:r>
+            <a:endParaRPr lang="zh-CN" altLang="en-US" dirty="0"/>
+          </a:p>
+        </p:txBody>
+      </p:sp>
+      <p:sp>
+        <p:nvSpPr>
+          <p:cNvPr id="3" name="标题 2"/>
+          <p:cNvSpPr>
+            <a:spLocks noGrp="1"/>
+          </p:cNvSpPr>
+          <p:nvPr>
+            <p:ph type="title"/>
+          </p:nvPr>
+        </p:nvSpPr>
+        <p:spPr/>
+        <p:txBody>
+          <a:bodyPr/>
+          <a:lstStyle/>
+          <a:p>
+            <a:endParaRPr lang="zh-CN" altLang="en-US"/>
+          </a:p>
+        </p:txBody>
+      </p:sp>
+      <p:sp>
+        <p:nvSpPr>
+          <p:cNvPr id="4" name="矩形 3"/>
+          <p:cNvSpPr/>
+          <p:nvPr/>
+        </p:nvSpPr>
+        <p:spPr>
+          <a:xfrm>
+            <a:off x="642910" y="2143116"/>
+            <a:ext cx="7715304" cy="3693319"/>
+          </a:xfrm>
+          <a:prstGeom prst="rect">
+            <a:avLst/>
+          </a:prstGeom>
+        </p:spPr>
+        <p:txBody>
+          <a:bodyPr wrap="square">
+            <a:spAutoFit/>
+          </a:bodyPr>
+          <a:lstStyle/>
+          <a:p>
+            <a:r>
+              <a:rPr lang="en-US" altLang="zh-CN" dirty="0" smtClean="0"/>
+              <a:t># </a:t>
+            </a:r>
+            <a:r>
+              <a:rPr lang="zh-CN" altLang="en-US" dirty="0" smtClean="0"/>
+              <a:t>用正则取出我们要的属性值</a:t>
+            </a:r>
+          </a:p>
+          <a:p>
+            <a:r>
+              <a:rPr lang="en-US" altLang="zh-CN" dirty="0" smtClean="0"/>
+              <a:t>data_train_f </a:t>
+            </a:r>
+            <a:r>
+              <a:rPr lang="en-US" altLang="zh-CN" dirty="0" smtClean="0"/>
+              <a:t>= data_train_c.filter(regex='Survived|Age_.*|SibSp|Parch|Fare_.*|Cabin_.*|Embarked_.*|Sex_.*|Pclass_.*')</a:t>
+            </a:r>
+          </a:p>
+          <a:p>
+            <a:endParaRPr lang="en-US" altLang="zh-CN" dirty="0" smtClean="0"/>
+          </a:p>
+          <a:p>
+            <a:r>
+              <a:rPr lang="en-US" altLang="zh-CN" dirty="0" smtClean="0"/>
+              <a:t>train_np = data_train_f.as_matrix()</a:t>
+            </a:r>
+          </a:p>
+          <a:p>
+            <a:r>
+              <a:rPr lang="en-US" altLang="zh-CN" dirty="0" smtClean="0"/>
+              <a:t># y</a:t>
+            </a:r>
+            <a:r>
+              <a:rPr lang="zh-CN" altLang="en-US" dirty="0" smtClean="0"/>
+              <a:t>即</a:t>
+            </a:r>
+            <a:r>
+              <a:rPr lang="en-US" altLang="zh-CN" dirty="0" smtClean="0"/>
+              <a:t>Survival</a:t>
+            </a:r>
+            <a:r>
+              <a:rPr lang="zh-CN" altLang="en-US" dirty="0" smtClean="0"/>
+              <a:t>结果</a:t>
+            </a:r>
+          </a:p>
+          <a:p>
+            <a:r>
+              <a:rPr lang="en-US" altLang="zh-CN" dirty="0" smtClean="0"/>
+              <a:t>y = train_np[:, 0]</a:t>
+            </a:r>
+          </a:p>
+          <a:p>
+            <a:r>
+              <a:rPr lang="en-US" altLang="zh-CN" dirty="0" smtClean="0"/>
+              <a:t># X</a:t>
+            </a:r>
+            <a:r>
+              <a:rPr lang="zh-CN" altLang="en-US" dirty="0" smtClean="0"/>
+              <a:t>即特征属性值</a:t>
+            </a:r>
+          </a:p>
+          <a:p>
+            <a:r>
+              <a:rPr lang="en-US" altLang="zh-CN" dirty="0" smtClean="0"/>
+              <a:t>X = train_np[:, 1:]</a:t>
+            </a:r>
+          </a:p>
+          <a:p>
+            <a:r>
+              <a:rPr lang="en-US" altLang="zh-CN" dirty="0" smtClean="0"/>
+              <a:t># fit</a:t>
+            </a:r>
+            <a:r>
+              <a:rPr lang="zh-CN" altLang="en-US" dirty="0" smtClean="0"/>
+              <a:t>到</a:t>
+            </a:r>
+            <a:r>
+              <a:rPr lang="en-US" altLang="zh-CN" dirty="0" smtClean="0"/>
+              <a:t>LogisticRegression</a:t>
+            </a:r>
+            <a:r>
+              <a:rPr lang="zh-CN" altLang="en-US" dirty="0" smtClean="0"/>
+              <a:t>之中</a:t>
+            </a:r>
+          </a:p>
+          <a:p>
+            <a:r>
+              <a:rPr lang="en-US" altLang="zh-CN" dirty="0" smtClean="0"/>
+              <a:t>lr = linear_model.LogisticRegression(C=1.0, penalty='l1', tol=1e-6)</a:t>
+            </a:r>
+          </a:p>
+          <a:p>
+            <a:r>
+              <a:rPr lang="en-US" altLang="zh-CN" dirty="0" smtClean="0"/>
+              <a:t>lr.fit(X, y)</a:t>
+            </a:r>
+            <a:endParaRPr lang="en-US" altLang="zh-CN" dirty="0"/>
+          </a:p>
+        </p:txBody>
+      </p:sp>
+    </p:spTree>
+  </p:cSld>
+  <p:clrMapOvr>
+    <a:masterClrMapping/>
+  </p:clrMapOvr>
+  <p:timing>
+    <p:tnLst>
+      <p:par>
+        <p:cTn id="1" dur="indefinite" restart="never" nodeType="tmRoot"/>
+      </p:par>
+    </p:tnLst>
+  </p:timing>
+</p:sld>
+</file>
+
+<file path=ppt/slides/slide19.xml><?xml version="1.0" encoding="utf-8"?>
+<p:sld xmlns:a="http://schemas.openxmlformats.org/drawingml/2006/main" xmlns:r="http://schemas.openxmlformats.org/officeDocument/2006/relationships" xmlns:p="http://schemas.openxmlformats.org/presentationml/2006/main">
+  <p:cSld>
+    <p:spTree>
+      <p:nvGrpSpPr>
+        <p:cNvPr id="1" name=""/>
+        <p:cNvGrpSpPr/>
+        <p:nvPr/>
+      </p:nvGrpSpPr>
+      <p:grpSpPr>
+        <a:xfrm>
+          <a:off x="0" y="0"/>
+          <a:ext cx="0" cy="0"/>
+          <a:chOff x="0" y="0"/>
+          <a:chExt cx="0" cy="0"/>
+        </a:xfrm>
+      </p:grpSpPr>
+      <p:sp>
+        <p:nvSpPr>
+          <p:cNvPr id="2" name="内容占位符 1"/>
+          <p:cNvSpPr>
+            <a:spLocks noGrp="1"/>
+          </p:cNvSpPr>
+          <p:nvPr>
+            <p:ph idx="1"/>
+          </p:nvPr>
+        </p:nvSpPr>
+        <p:spPr/>
+        <p:txBody>
+          <a:bodyPr/>
+          <a:lstStyle/>
+          <a:p>
+            <a:r>
+              <a:rPr lang="zh-CN" altLang="en-US" dirty="0" smtClean="0"/>
+              <a:t>对测试数据做同样特征处理后，用训练好的模型进行预测。</a:t>
+            </a:r>
+            <a:endParaRPr lang="zh-CN" altLang="en-US" dirty="0"/>
+          </a:p>
+        </p:txBody>
+      </p:sp>
+      <p:sp>
+        <p:nvSpPr>
+          <p:cNvPr id="3" name="标题 2"/>
+          <p:cNvSpPr>
+            <a:spLocks noGrp="1"/>
+          </p:cNvSpPr>
+          <p:nvPr>
+            <p:ph type="title"/>
+          </p:nvPr>
+        </p:nvSpPr>
+        <p:spPr/>
+        <p:txBody>
+          <a:bodyPr/>
+          <a:lstStyle/>
+          <a:p>
+            <a:endParaRPr lang="zh-CN" altLang="en-US" dirty="0"/>
+          </a:p>
+        </p:txBody>
+      </p:sp>
+      <p:sp>
+        <p:nvSpPr>
+          <p:cNvPr id="4" name="矩形 3"/>
+          <p:cNvSpPr/>
+          <p:nvPr/>
+        </p:nvSpPr>
+        <p:spPr>
+          <a:xfrm>
+            <a:off x="785786" y="2928934"/>
+            <a:ext cx="6929486" cy="1477328"/>
+          </a:xfrm>
+          <a:prstGeom prst="rect">
+            <a:avLst/>
+          </a:prstGeom>
+        </p:spPr>
+        <p:txBody>
+          <a:bodyPr wrap="square">
+            <a:spAutoFit/>
+          </a:bodyPr>
+          <a:lstStyle/>
+          <a:p>
+            <a:r>
+              <a:rPr lang="en-US" altLang="zh-CN" dirty="0" smtClean="0"/>
+              <a:t>predictions </a:t>
+            </a:r>
+            <a:r>
+              <a:rPr lang="en-US" altLang="zh-CN" dirty="0" smtClean="0"/>
+              <a:t>= lr.predict(df_test_f)</a:t>
+            </a:r>
+          </a:p>
+          <a:p>
+            <a:r>
+              <a:rPr lang="en-US" altLang="zh-CN" dirty="0" smtClean="0"/>
+              <a:t>result = pd.DataFrame({'PassengerId':data_test['PassengerId'].as_matrix(), 'Survived':predictions.astype(np.int32)})</a:t>
+            </a:r>
+          </a:p>
+          <a:p>
+            <a:r>
+              <a:rPr lang="en-US" altLang="zh-CN" dirty="0" smtClean="0"/>
+              <a:t>result.to_csv("./result.csv", index=False)</a:t>
+            </a:r>
+            <a:endParaRPr lang="zh-CN" altLang="en-US" dirty="0"/>
+          </a:p>
+        </p:txBody>
+      </p:sp>
+    </p:spTree>
+  </p:cSld>
+  <p:clrMapOvr>
+    <a:masterClrMapping/>
+  </p:clrMapOvr>
+  <p:timing>
+    <p:tnLst>
+      <p:par>
+        <p:cTn id="1" dur="indefinite" restart="never" nodeType="tmRoot"/>
+      </p:par>
+    </p:tnLst>
+  </p:timing>
 </p:sld>
 </file>
 
@@ -4881,6 +6168,1094 @@
   <p:clrMapOvr>
     <a:masterClrMapping/>
   </p:clrMapOvr>
+  <p:timing>
+    <p:tnLst>
+      <p:par>
+        <p:cTn id="1" dur="indefinite" restart="never" nodeType="tmRoot"/>
+      </p:par>
+    </p:tnLst>
+  </p:timing>
+</p:sld>
+</file>
+
+<file path=ppt/slides/slide20.xml><?xml version="1.0" encoding="utf-8"?>
+<p:sld xmlns:a="http://schemas.openxmlformats.org/drawingml/2006/main" xmlns:r="http://schemas.openxmlformats.org/officeDocument/2006/relationships" xmlns:p="http://schemas.openxmlformats.org/presentationml/2006/main">
+  <p:cSld>
+    <p:spTree>
+      <p:nvGrpSpPr>
+        <p:cNvPr id="1" name=""/>
+        <p:cNvGrpSpPr/>
+        <p:nvPr/>
+      </p:nvGrpSpPr>
+      <p:grpSpPr>
+        <a:xfrm>
+          <a:off x="0" y="0"/>
+          <a:ext cx="0" cy="0"/>
+          <a:chOff x="0" y="0"/>
+          <a:chExt cx="0" cy="0"/>
+        </a:xfrm>
+      </p:grpSpPr>
+      <p:sp>
+        <p:nvSpPr>
+          <p:cNvPr id="3" name="标题 2"/>
+          <p:cNvSpPr>
+            <a:spLocks noGrp="1"/>
+          </p:cNvSpPr>
+          <p:nvPr>
+            <p:ph type="title"/>
+          </p:nvPr>
+        </p:nvSpPr>
+        <p:spPr/>
+        <p:txBody>
+          <a:bodyPr/>
+          <a:lstStyle/>
+          <a:p>
+            <a:endParaRPr lang="zh-CN" altLang="en-US"/>
+          </a:p>
+        </p:txBody>
+      </p:sp>
+      <p:sp>
+        <p:nvSpPr>
+          <p:cNvPr id="4" name="内容占位符 3"/>
+          <p:cNvSpPr>
+            <a:spLocks noGrp="1"/>
+          </p:cNvSpPr>
+          <p:nvPr>
+            <p:ph idx="1"/>
+          </p:nvPr>
+        </p:nvSpPr>
+        <p:spPr/>
+        <p:txBody>
+          <a:bodyPr/>
+          <a:lstStyle/>
+          <a:p>
+            <a:r>
+              <a:rPr lang="zh-CN" altLang="en-US" dirty="0" smtClean="0"/>
+              <a:t>提交结果。</a:t>
+            </a:r>
+            <a:endParaRPr lang="zh-CN" altLang="en-US" dirty="0"/>
+          </a:p>
+        </p:txBody>
+      </p:sp>
+      <p:pic>
+        <p:nvPicPr>
+          <p:cNvPr id="5" name="Picture 2"/>
+          <p:cNvPicPr>
+            <a:picLocks noChangeAspect="1" noChangeArrowheads="1"/>
+          </p:cNvPicPr>
+          <p:nvPr/>
+        </p:nvPicPr>
+        <p:blipFill>
+          <a:blip r:embed="rId2"/>
+          <a:srcRect/>
+          <a:stretch>
+            <a:fillRect/>
+          </a:stretch>
+        </p:blipFill>
+        <p:spPr bwMode="auto">
+          <a:xfrm>
+            <a:off x="714348" y="2428868"/>
+            <a:ext cx="7586658" cy="2733627"/>
+          </a:xfrm>
+          <a:prstGeom prst="rect">
+            <a:avLst/>
+          </a:prstGeom>
+          <a:noFill/>
+          <a:ln w="9525">
+            <a:noFill/>
+            <a:miter lim="800000"/>
+            <a:headEnd/>
+            <a:tailEnd/>
+          </a:ln>
+          <a:effectLst/>
+        </p:spPr>
+      </p:pic>
+    </p:spTree>
+  </p:cSld>
+  <p:clrMapOvr>
+    <a:masterClrMapping/>
+  </p:clrMapOvr>
+  <p:timing>
+    <p:tnLst>
+      <p:par>
+        <p:cTn id="1" dur="indefinite" restart="never" nodeType="tmRoot"/>
+      </p:par>
+    </p:tnLst>
+  </p:timing>
+</p:sld>
+</file>
+
+<file path=ppt/slides/slide21.xml><?xml version="1.0" encoding="utf-8"?>
+<p:sld xmlns:a="http://schemas.openxmlformats.org/drawingml/2006/main" xmlns:r="http://schemas.openxmlformats.org/officeDocument/2006/relationships" xmlns:p="http://schemas.openxmlformats.org/presentationml/2006/main">
+  <p:cSld>
+    <p:spTree>
+      <p:nvGrpSpPr>
+        <p:cNvPr id="1" name=""/>
+        <p:cNvGrpSpPr/>
+        <p:nvPr/>
+      </p:nvGrpSpPr>
+      <p:grpSpPr>
+        <a:xfrm>
+          <a:off x="0" y="0"/>
+          <a:ext cx="0" cy="0"/>
+          <a:chOff x="0" y="0"/>
+          <a:chExt cx="0" cy="0"/>
+        </a:xfrm>
+      </p:grpSpPr>
+      <p:sp>
+        <p:nvSpPr>
+          <p:cNvPr id="2" name="内容占位符 1"/>
+          <p:cNvSpPr>
+            <a:spLocks noGrp="1"/>
+          </p:cNvSpPr>
+          <p:nvPr>
+            <p:ph idx="1"/>
+          </p:nvPr>
+        </p:nvSpPr>
+        <p:spPr/>
+        <p:txBody>
+          <a:bodyPr/>
+          <a:lstStyle/>
+          <a:p>
+            <a:r>
+              <a:rPr lang="zh-CN" altLang="en-US" dirty="0" smtClean="0"/>
+              <a:t>分析结果，检查模型权重</a:t>
+            </a:r>
+            <a:endParaRPr lang="zh-CN" altLang="en-US" dirty="0"/>
+          </a:p>
+        </p:txBody>
+      </p:sp>
+      <p:sp>
+        <p:nvSpPr>
+          <p:cNvPr id="3" name="标题 2"/>
+          <p:cNvSpPr>
+            <a:spLocks noGrp="1"/>
+          </p:cNvSpPr>
+          <p:nvPr>
+            <p:ph type="title"/>
+          </p:nvPr>
+        </p:nvSpPr>
+        <p:spPr/>
+        <p:txBody>
+          <a:bodyPr/>
+          <a:lstStyle/>
+          <a:p>
+            <a:endParaRPr lang="zh-CN" altLang="en-US" dirty="0"/>
+          </a:p>
+        </p:txBody>
+      </p:sp>
+      <p:pic>
+        <p:nvPicPr>
+          <p:cNvPr id="7171" name="Picture 3"/>
+          <p:cNvPicPr>
+            <a:picLocks noChangeAspect="1" noChangeArrowheads="1"/>
+          </p:cNvPicPr>
+          <p:nvPr/>
+        </p:nvPicPr>
+        <p:blipFill>
+          <a:blip r:embed="rId2"/>
+          <a:srcRect/>
+          <a:stretch>
+            <a:fillRect/>
+          </a:stretch>
+        </p:blipFill>
+        <p:spPr bwMode="auto">
+          <a:xfrm>
+            <a:off x="2857488" y="2500306"/>
+            <a:ext cx="3019425" cy="2381250"/>
+          </a:xfrm>
+          <a:prstGeom prst="rect">
+            <a:avLst/>
+          </a:prstGeom>
+          <a:noFill/>
+          <a:ln w="9525">
+            <a:noFill/>
+            <a:miter lim="800000"/>
+            <a:headEnd/>
+            <a:tailEnd/>
+          </a:ln>
+          <a:effectLst/>
+        </p:spPr>
+      </p:pic>
+    </p:spTree>
+  </p:cSld>
+  <p:clrMapOvr>
+    <a:masterClrMapping/>
+  </p:clrMapOvr>
+</p:sld>
+</file>
+
+<file path=ppt/slides/slide22.xml><?xml version="1.0" encoding="utf-8"?>
+<p:sld xmlns:a="http://schemas.openxmlformats.org/drawingml/2006/main" xmlns:r="http://schemas.openxmlformats.org/officeDocument/2006/relationships" xmlns:p="http://schemas.openxmlformats.org/presentationml/2006/main">
+  <p:cSld>
+    <p:spTree>
+      <p:nvGrpSpPr>
+        <p:cNvPr id="1" name=""/>
+        <p:cNvGrpSpPr/>
+        <p:nvPr/>
+      </p:nvGrpSpPr>
+      <p:grpSpPr>
+        <a:xfrm>
+          <a:off x="0" y="0"/>
+          <a:ext cx="0" cy="0"/>
+          <a:chOff x="0" y="0"/>
+          <a:chExt cx="0" cy="0"/>
+        </a:xfrm>
+      </p:grpSpPr>
+      <p:sp>
+        <p:nvSpPr>
+          <p:cNvPr id="2" name="内容占位符 1"/>
+          <p:cNvSpPr>
+            <a:spLocks noGrp="1"/>
+          </p:cNvSpPr>
+          <p:nvPr>
+            <p:ph idx="1"/>
+          </p:nvPr>
+        </p:nvSpPr>
+        <p:spPr/>
+        <p:txBody>
+          <a:bodyPr/>
+          <a:lstStyle/>
+          <a:p>
+            <a:r>
+              <a:rPr lang="zh-CN" altLang="en-US" dirty="0" smtClean="0"/>
+              <a:t>用训练数据，进行交叉验证</a:t>
+            </a:r>
+            <a:endParaRPr lang="zh-CN" altLang="en-US" dirty="0"/>
+          </a:p>
+        </p:txBody>
+      </p:sp>
+      <p:sp>
+        <p:nvSpPr>
+          <p:cNvPr id="3" name="标题 2"/>
+          <p:cNvSpPr>
+            <a:spLocks noGrp="1"/>
+          </p:cNvSpPr>
+          <p:nvPr>
+            <p:ph type="title"/>
+          </p:nvPr>
+        </p:nvSpPr>
+        <p:spPr/>
+        <p:txBody>
+          <a:bodyPr/>
+          <a:lstStyle/>
+          <a:p>
+            <a:endParaRPr lang="zh-CN" altLang="en-US"/>
+          </a:p>
+        </p:txBody>
+      </p:sp>
+      <p:pic>
+        <p:nvPicPr>
+          <p:cNvPr id="8194" name="Picture 2"/>
+          <p:cNvPicPr>
+            <a:picLocks noChangeAspect="1" noChangeArrowheads="1"/>
+          </p:cNvPicPr>
+          <p:nvPr/>
+        </p:nvPicPr>
+        <p:blipFill>
+          <a:blip r:embed="rId2"/>
+          <a:srcRect/>
+          <a:stretch>
+            <a:fillRect/>
+          </a:stretch>
+        </p:blipFill>
+        <p:spPr bwMode="auto">
+          <a:xfrm>
+            <a:off x="785786" y="4214818"/>
+            <a:ext cx="5048250" cy="533400"/>
+          </a:xfrm>
+          <a:prstGeom prst="rect">
+            <a:avLst/>
+          </a:prstGeom>
+          <a:noFill/>
+          <a:ln w="9525">
+            <a:noFill/>
+            <a:miter lim="800000"/>
+            <a:headEnd/>
+            <a:tailEnd/>
+          </a:ln>
+          <a:effectLst/>
+        </p:spPr>
+      </p:pic>
+      <p:sp>
+        <p:nvSpPr>
+          <p:cNvPr id="5" name="矩形 4"/>
+          <p:cNvSpPr/>
+          <p:nvPr/>
+        </p:nvSpPr>
+        <p:spPr>
+          <a:xfrm>
+            <a:off x="928662" y="2428868"/>
+            <a:ext cx="4572000" cy="1477328"/>
+          </a:xfrm>
+          <a:prstGeom prst="rect">
+            <a:avLst/>
+          </a:prstGeom>
+        </p:spPr>
+        <p:txBody>
+          <a:bodyPr>
+            <a:spAutoFit/>
+          </a:bodyPr>
+          <a:lstStyle/>
+          <a:p>
+            <a:r>
+              <a:rPr lang="en-US" altLang="zh-CN" dirty="0" smtClean="0"/>
+              <a:t>X = data_train_f.as_matrix()[:,1:]</a:t>
+            </a:r>
+          </a:p>
+          <a:p>
+            <a:r>
+              <a:rPr lang="en-US" altLang="zh-CN" dirty="0" smtClean="0"/>
+              <a:t>Y = data_train_f.as_matrix()[:,0]</a:t>
+            </a:r>
+          </a:p>
+          <a:p>
+            <a:r>
+              <a:rPr lang="en-US" altLang="zh-CN" dirty="0" smtClean="0"/>
+              <a:t>print cross_validation.cross_val_score(lr, X, Y, cv=5)</a:t>
+            </a:r>
+            <a:endParaRPr lang="zh-CN" altLang="en-US" dirty="0"/>
+          </a:p>
+        </p:txBody>
+      </p:sp>
+    </p:spTree>
+  </p:cSld>
+  <p:clrMapOvr>
+    <a:masterClrMapping/>
+  </p:clrMapOvr>
+</p:sld>
+</file>
+
+<file path=ppt/slides/slide23.xml><?xml version="1.0" encoding="utf-8"?>
+<p:sld xmlns:a="http://schemas.openxmlformats.org/drawingml/2006/main" xmlns:r="http://schemas.openxmlformats.org/officeDocument/2006/relationships" xmlns:p="http://schemas.openxmlformats.org/presentationml/2006/main">
+  <p:cSld>
+    <p:spTree>
+      <p:nvGrpSpPr>
+        <p:cNvPr id="1" name=""/>
+        <p:cNvGrpSpPr/>
+        <p:nvPr/>
+      </p:nvGrpSpPr>
+      <p:grpSpPr>
+        <a:xfrm>
+          <a:off x="0" y="0"/>
+          <a:ext cx="0" cy="0"/>
+          <a:chOff x="0" y="0"/>
+          <a:chExt cx="0" cy="0"/>
+        </a:xfrm>
+      </p:grpSpPr>
+      <p:sp>
+        <p:nvSpPr>
+          <p:cNvPr id="2" name="内容占位符 1"/>
+          <p:cNvSpPr>
+            <a:spLocks noGrp="1"/>
+          </p:cNvSpPr>
+          <p:nvPr>
+            <p:ph idx="1"/>
+          </p:nvPr>
+        </p:nvSpPr>
+        <p:spPr/>
+        <p:txBody>
+          <a:bodyPr/>
+          <a:lstStyle/>
+          <a:p>
+            <a:r>
+              <a:rPr lang="zh-CN" altLang="en-US" dirty="0" smtClean="0"/>
+              <a:t>将训练数据拆分为训练和测试数据，反复进行交叉验证，注意减少过拟合。</a:t>
+            </a:r>
+            <a:endParaRPr lang="en-US" altLang="zh-CN" dirty="0" smtClean="0"/>
+          </a:p>
+          <a:p>
+            <a:r>
+              <a:rPr lang="zh-CN" altLang="en-US" dirty="0" smtClean="0"/>
+              <a:t>关注所有预测错误的条目。</a:t>
+            </a:r>
+            <a:endParaRPr lang="en-US" altLang="zh-CN" dirty="0" smtClean="0"/>
+          </a:p>
+          <a:p>
+            <a:endParaRPr lang="en-US" altLang="zh-CN" dirty="0" smtClean="0"/>
+          </a:p>
+          <a:p>
+            <a:endParaRPr lang="en-US" altLang="zh-CN" dirty="0" smtClean="0"/>
+          </a:p>
+          <a:p>
+            <a:endParaRPr lang="zh-CN" altLang="en-US" dirty="0"/>
+          </a:p>
+        </p:txBody>
+      </p:sp>
+      <p:sp>
+        <p:nvSpPr>
+          <p:cNvPr id="3" name="标题 2"/>
+          <p:cNvSpPr>
+            <a:spLocks noGrp="1"/>
+          </p:cNvSpPr>
+          <p:nvPr>
+            <p:ph type="title"/>
+          </p:nvPr>
+        </p:nvSpPr>
+        <p:spPr/>
+        <p:txBody>
+          <a:bodyPr/>
+          <a:lstStyle/>
+          <a:p>
+            <a:endParaRPr lang="zh-CN" altLang="en-US"/>
+          </a:p>
+        </p:txBody>
+      </p:sp>
+      <p:sp>
+        <p:nvSpPr>
+          <p:cNvPr id="4" name="矩形 3"/>
+          <p:cNvSpPr/>
+          <p:nvPr/>
+        </p:nvSpPr>
+        <p:spPr>
+          <a:xfrm>
+            <a:off x="642910" y="3143248"/>
+            <a:ext cx="8072494" cy="2308324"/>
+          </a:xfrm>
+          <a:prstGeom prst="rect">
+            <a:avLst/>
+          </a:prstGeom>
+        </p:spPr>
+        <p:txBody>
+          <a:bodyPr wrap="square">
+            <a:spAutoFit/>
+          </a:bodyPr>
+          <a:lstStyle/>
+          <a:p>
+            <a:r>
+              <a:rPr lang="en-US" altLang="zh-CN" dirty="0" smtClean="0"/>
+              <a:t>split_train</a:t>
+            </a:r>
+            <a:r>
+              <a:rPr lang="en-US" altLang="zh-CN" dirty="0" smtClean="0"/>
+              <a:t>, split_cv = cross_validation.train_test_split(data_train, test_size=0.3, random_state=0)</a:t>
+            </a:r>
+          </a:p>
+          <a:p>
+            <a:r>
+              <a:rPr lang="en-US" altLang="zh-CN" dirty="0" smtClean="0"/>
+              <a:t>train_df = split_train.filter(regex='Survived|Age_.*|SibSp|Parch|Fare_.*|Cabin_.*|Embarked_.*|Sex_.*|Pclass_.*')</a:t>
+            </a:r>
+          </a:p>
+          <a:p>
+            <a:r>
+              <a:rPr lang="en-US" altLang="zh-CN" dirty="0" smtClean="0"/>
+              <a:t># </a:t>
+            </a:r>
+            <a:r>
+              <a:rPr lang="zh-CN" altLang="en-US" dirty="0" smtClean="0"/>
+              <a:t>生成模型</a:t>
+            </a:r>
+          </a:p>
+          <a:p>
+            <a:r>
+              <a:rPr lang="en-US" altLang="zh-CN" dirty="0" smtClean="0"/>
+              <a:t>lr = linear_model.LogisticRegression(C=1.0, penalty='l1', tol=1e-6)</a:t>
+            </a:r>
+          </a:p>
+          <a:p>
+            <a:r>
+              <a:rPr lang="en-US" altLang="zh-CN" dirty="0" smtClean="0"/>
+              <a:t>lr.fit(train_df.as_matrix()[:,1:], train_df.as_matrix()[:,0</a:t>
+            </a:r>
+            <a:r>
+              <a:rPr lang="en-US" altLang="zh-CN" dirty="0" smtClean="0"/>
+              <a:t>])</a:t>
+            </a:r>
+            <a:endParaRPr lang="en-US" altLang="zh-CN" dirty="0" smtClean="0"/>
+          </a:p>
+        </p:txBody>
+      </p:sp>
+    </p:spTree>
+  </p:cSld>
+  <p:clrMapOvr>
+    <a:masterClrMapping/>
+  </p:clrMapOvr>
+</p:sld>
+</file>
+
+<file path=ppt/slides/slide24.xml><?xml version="1.0" encoding="utf-8"?>
+<p:sld xmlns:a="http://schemas.openxmlformats.org/drawingml/2006/main" xmlns:r="http://schemas.openxmlformats.org/officeDocument/2006/relationships" xmlns:p="http://schemas.openxmlformats.org/presentationml/2006/main">
+  <p:cSld>
+    <p:spTree>
+      <p:nvGrpSpPr>
+        <p:cNvPr id="1" name=""/>
+        <p:cNvGrpSpPr/>
+        <p:nvPr/>
+      </p:nvGrpSpPr>
+      <p:grpSpPr>
+        <a:xfrm>
+          <a:off x="0" y="0"/>
+          <a:ext cx="0" cy="0"/>
+          <a:chOff x="0" y="0"/>
+          <a:chExt cx="0" cy="0"/>
+        </a:xfrm>
+      </p:grpSpPr>
+      <p:sp>
+        <p:nvSpPr>
+          <p:cNvPr id="2" name="内容占位符 1"/>
+          <p:cNvSpPr>
+            <a:spLocks noGrp="1"/>
+          </p:cNvSpPr>
+          <p:nvPr>
+            <p:ph idx="1"/>
+          </p:nvPr>
+        </p:nvSpPr>
+        <p:spPr/>
+        <p:txBody>
+          <a:bodyPr/>
+          <a:lstStyle/>
+          <a:p>
+            <a:endParaRPr lang="zh-CN" altLang="en-US" dirty="0"/>
+          </a:p>
+        </p:txBody>
+      </p:sp>
+      <p:sp>
+        <p:nvSpPr>
+          <p:cNvPr id="3" name="标题 2"/>
+          <p:cNvSpPr>
+            <a:spLocks noGrp="1"/>
+          </p:cNvSpPr>
+          <p:nvPr>
+            <p:ph type="title"/>
+          </p:nvPr>
+        </p:nvSpPr>
+        <p:spPr/>
+        <p:txBody>
+          <a:bodyPr/>
+          <a:lstStyle/>
+          <a:p>
+            <a:endParaRPr lang="zh-CN" altLang="en-US"/>
+          </a:p>
+        </p:txBody>
+      </p:sp>
+      <p:sp>
+        <p:nvSpPr>
+          <p:cNvPr id="4" name="矩形 3"/>
+          <p:cNvSpPr/>
+          <p:nvPr/>
+        </p:nvSpPr>
+        <p:spPr>
+          <a:xfrm>
+            <a:off x="785786" y="1643050"/>
+            <a:ext cx="6643734" cy="2585323"/>
+          </a:xfrm>
+          <a:prstGeom prst="rect">
+            <a:avLst/>
+          </a:prstGeom>
+        </p:spPr>
+        <p:txBody>
+          <a:bodyPr wrap="square">
+            <a:spAutoFit/>
+          </a:bodyPr>
+          <a:lstStyle/>
+          <a:p>
+            <a:r>
+              <a:rPr lang="en-US" altLang="zh-CN" dirty="0" smtClean="0"/>
+              <a:t># </a:t>
+            </a:r>
+            <a:r>
+              <a:rPr lang="zh-CN" altLang="en-US" dirty="0" smtClean="0"/>
+              <a:t>对</a:t>
+            </a:r>
+            <a:r>
+              <a:rPr lang="en-US" altLang="zh-CN" dirty="0" smtClean="0"/>
+              <a:t>cross validation</a:t>
+            </a:r>
+            <a:r>
+              <a:rPr lang="zh-CN" altLang="en-US" dirty="0" smtClean="0"/>
+              <a:t>数据进行预测</a:t>
+            </a:r>
+          </a:p>
+          <a:p>
+            <a:r>
+              <a:rPr lang="en-US" altLang="zh-CN" dirty="0" smtClean="0"/>
+              <a:t>cv_df = split_cv.filter(regex='Survived|Age_.*|SibSp|Parch|Fare_.*|Cabin_.*|Embarked_.*|Sex_.*|Pclass_.*')</a:t>
+            </a:r>
+          </a:p>
+          <a:p>
+            <a:r>
+              <a:rPr lang="en-US" altLang="zh-CN" dirty="0" smtClean="0"/>
+              <a:t>predictions = lr.predict(cv_df.as_matrix()[:,1:])</a:t>
+            </a:r>
+          </a:p>
+          <a:p>
+            <a:r>
+              <a:rPr lang="en-US" altLang="zh-CN" dirty="0" smtClean="0"/>
+              <a:t>bad_cases = data_train.loc[data_train['PassengerId'].isin(split_cv[predictions != cv_df.as_matrix()[:,0]]['PassengerId'].values)]</a:t>
+            </a:r>
+          </a:p>
+          <a:p>
+            <a:r>
+              <a:rPr lang="en-US" altLang="zh-CN" dirty="0" smtClean="0"/>
+              <a:t>print bad_cases</a:t>
+            </a:r>
+            <a:endParaRPr lang="zh-CN" altLang="en-US" dirty="0"/>
+          </a:p>
+        </p:txBody>
+      </p:sp>
+    </p:spTree>
+  </p:cSld>
+  <p:clrMapOvr>
+    <a:masterClrMapping/>
+  </p:clrMapOvr>
+</p:sld>
+</file>
+
+<file path=ppt/slides/slide25.xml><?xml version="1.0" encoding="utf-8"?>
+<p:sld xmlns:a="http://schemas.openxmlformats.org/drawingml/2006/main" xmlns:r="http://schemas.openxmlformats.org/officeDocument/2006/relationships" xmlns:p="http://schemas.openxmlformats.org/presentationml/2006/main">
+  <p:cSld>
+    <p:spTree>
+      <p:nvGrpSpPr>
+        <p:cNvPr id="1" name=""/>
+        <p:cNvGrpSpPr/>
+        <p:nvPr/>
+      </p:nvGrpSpPr>
+      <p:grpSpPr>
+        <a:xfrm>
+          <a:off x="0" y="0"/>
+          <a:ext cx="0" cy="0"/>
+          <a:chOff x="0" y="0"/>
+          <a:chExt cx="0" cy="0"/>
+        </a:xfrm>
+      </p:grpSpPr>
+      <p:sp>
+        <p:nvSpPr>
+          <p:cNvPr id="2" name="内容占位符 1"/>
+          <p:cNvSpPr>
+            <a:spLocks noGrp="1"/>
+          </p:cNvSpPr>
+          <p:nvPr>
+            <p:ph idx="1"/>
+          </p:nvPr>
+        </p:nvSpPr>
+        <p:spPr/>
+        <p:txBody>
+          <a:bodyPr/>
+          <a:lstStyle/>
+          <a:p>
+            <a:endParaRPr lang="zh-CN" altLang="en-US"/>
+          </a:p>
+        </p:txBody>
+      </p:sp>
+      <p:sp>
+        <p:nvSpPr>
+          <p:cNvPr id="3" name="标题 2"/>
+          <p:cNvSpPr>
+            <a:spLocks noGrp="1"/>
+          </p:cNvSpPr>
+          <p:nvPr>
+            <p:ph type="title"/>
+          </p:nvPr>
+        </p:nvSpPr>
+        <p:spPr/>
+        <p:txBody>
+          <a:bodyPr/>
+          <a:lstStyle/>
+          <a:p>
+            <a:endParaRPr lang="zh-CN" altLang="en-US"/>
+          </a:p>
+        </p:txBody>
+      </p:sp>
+      <p:pic>
+        <p:nvPicPr>
+          <p:cNvPr id="9218" name="Picture 2"/>
+          <p:cNvPicPr>
+            <a:picLocks noChangeAspect="1" noChangeArrowheads="1"/>
+          </p:cNvPicPr>
+          <p:nvPr/>
+        </p:nvPicPr>
+        <p:blipFill>
+          <a:blip r:embed="rId2"/>
+          <a:srcRect/>
+          <a:stretch>
+            <a:fillRect/>
+          </a:stretch>
+        </p:blipFill>
+        <p:spPr bwMode="auto">
+          <a:xfrm>
+            <a:off x="2790825" y="1014413"/>
+            <a:ext cx="3562350" cy="4829175"/>
+          </a:xfrm>
+          <a:prstGeom prst="rect">
+            <a:avLst/>
+          </a:prstGeom>
+          <a:noFill/>
+          <a:ln w="9525">
+            <a:noFill/>
+            <a:miter lim="800000"/>
+            <a:headEnd/>
+            <a:tailEnd/>
+          </a:ln>
+          <a:effectLst/>
+        </p:spPr>
+      </p:pic>
+    </p:spTree>
+  </p:cSld>
+  <p:clrMapOvr>
+    <a:masterClrMapping/>
+  </p:clrMapOvr>
+</p:sld>
+</file>
+
+<file path=ppt/slides/slide26.xml><?xml version="1.0" encoding="utf-8"?>
+<p:sld xmlns:a="http://schemas.openxmlformats.org/drawingml/2006/main" xmlns:r="http://schemas.openxmlformats.org/officeDocument/2006/relationships" xmlns:p="http://schemas.openxmlformats.org/presentationml/2006/main">
+  <p:cSld>
+    <p:spTree>
+      <p:nvGrpSpPr>
+        <p:cNvPr id="1" name=""/>
+        <p:cNvGrpSpPr/>
+        <p:nvPr/>
+      </p:nvGrpSpPr>
+      <p:grpSpPr>
+        <a:xfrm>
+          <a:off x="0" y="0"/>
+          <a:ext cx="0" cy="0"/>
+          <a:chOff x="0" y="0"/>
+          <a:chExt cx="0" cy="0"/>
+        </a:xfrm>
+      </p:grpSpPr>
+      <p:sp>
+        <p:nvSpPr>
+          <p:cNvPr id="2" name="内容占位符 1"/>
+          <p:cNvSpPr>
+            <a:spLocks noGrp="1"/>
+          </p:cNvSpPr>
+          <p:nvPr>
+            <p:ph idx="1"/>
+          </p:nvPr>
+        </p:nvSpPr>
+        <p:spPr/>
+        <p:txBody>
+          <a:bodyPr/>
+          <a:lstStyle/>
+          <a:p>
+            <a:r>
+              <a:rPr lang="zh-CN" altLang="en-US" dirty="0" smtClean="0"/>
+              <a:t>不断调整特征值的使用方式，提升准确率。</a:t>
+            </a:r>
+            <a:endParaRPr lang="en-US" altLang="zh-CN" dirty="0" smtClean="0"/>
+          </a:p>
+          <a:p>
+            <a:r>
+              <a:rPr lang="zh-CN" altLang="en-US" dirty="0" smtClean="0"/>
+              <a:t>尝</a:t>
+            </a:r>
+            <a:r>
+              <a:rPr lang="zh-CN" altLang="en-US" dirty="0" smtClean="0"/>
+              <a:t>试使用在</a:t>
+            </a:r>
+            <a:r>
+              <a:rPr lang="en-US" altLang="zh-CN" dirty="0" smtClean="0"/>
+              <a:t>DM</a:t>
+            </a:r>
+            <a:r>
+              <a:rPr lang="zh-CN" altLang="en-US" dirty="0" smtClean="0"/>
+              <a:t>中效果较好的</a:t>
+            </a:r>
+            <a:r>
+              <a:rPr lang="en-US" altLang="zh-CN" dirty="0" smtClean="0"/>
+              <a:t>Bagging</a:t>
+            </a:r>
+            <a:r>
+              <a:rPr lang="zh-CN" altLang="en-US" dirty="0" smtClean="0"/>
+              <a:t>算法，如</a:t>
+            </a:r>
+            <a:r>
+              <a:rPr lang="en-US" altLang="zh-CN" dirty="0" smtClean="0"/>
+              <a:t>GDT</a:t>
+            </a:r>
+            <a:r>
+              <a:rPr lang="zh-CN" altLang="en-US" dirty="0" smtClean="0"/>
+              <a:t>等。</a:t>
+            </a:r>
+            <a:endParaRPr lang="zh-CN" altLang="en-US" dirty="0"/>
+          </a:p>
+        </p:txBody>
+      </p:sp>
+      <p:sp>
+        <p:nvSpPr>
+          <p:cNvPr id="3" name="标题 2"/>
+          <p:cNvSpPr>
+            <a:spLocks noGrp="1"/>
+          </p:cNvSpPr>
+          <p:nvPr>
+            <p:ph type="title"/>
+          </p:nvPr>
+        </p:nvSpPr>
+        <p:spPr/>
+        <p:txBody>
+          <a:bodyPr/>
+          <a:lstStyle/>
+          <a:p>
+            <a:endParaRPr lang="zh-CN" altLang="en-US"/>
+          </a:p>
+        </p:txBody>
+      </p:sp>
+      <p:sp>
+        <p:nvSpPr>
+          <p:cNvPr id="4" name="矩形 3"/>
+          <p:cNvSpPr/>
+          <p:nvPr/>
+        </p:nvSpPr>
+        <p:spPr>
+          <a:xfrm>
+            <a:off x="785786" y="3000372"/>
+            <a:ext cx="7572428" cy="2308324"/>
+          </a:xfrm>
+          <a:prstGeom prst="rect">
+            <a:avLst/>
+          </a:prstGeom>
+        </p:spPr>
+        <p:txBody>
+          <a:bodyPr wrap="square">
+            <a:spAutoFit/>
+          </a:bodyPr>
+          <a:lstStyle/>
+          <a:p>
+            <a:r>
+              <a:rPr lang="en-US" altLang="zh-CN" dirty="0" smtClean="0"/>
+              <a:t>lr = linear_model.LogisticRegression(C=1.0, penalty='l1', tol=1e-6)</a:t>
+            </a:r>
+          </a:p>
+          <a:p>
+            <a:r>
+              <a:rPr lang="en-US" altLang="zh-CN" dirty="0" smtClean="0"/>
+              <a:t>bagging_lr = BaggingRegressor(lr, n_estimators=20, max_samples=0.8, max_features=1.0, bootstrap=True, bootstrap_features=False)</a:t>
+            </a:r>
+          </a:p>
+          <a:p>
+            <a:r>
+              <a:rPr lang="en-US" altLang="zh-CN" dirty="0" smtClean="0"/>
+              <a:t>bagging_lr.fit(X, y)</a:t>
+            </a:r>
+          </a:p>
+          <a:p>
+            <a:endParaRPr lang="en-US" altLang="zh-CN" dirty="0" smtClean="0"/>
+          </a:p>
+          <a:p>
+            <a:r>
+              <a:rPr lang="en-US" altLang="zh-CN" dirty="0" smtClean="0"/>
+              <a:t>predictions = bagging_lr.predict(df_test_f)</a:t>
+            </a:r>
+            <a:endParaRPr lang="zh-CN" altLang="en-US" dirty="0"/>
+          </a:p>
+        </p:txBody>
+      </p:sp>
+    </p:spTree>
+  </p:cSld>
+  <p:clrMapOvr>
+    <a:masterClrMapping/>
+  </p:clrMapOvr>
+</p:sld>
+</file>
+
+<file path=ppt/slides/slide27.xml><?xml version="1.0" encoding="utf-8"?>
+<p:sld xmlns:a="http://schemas.openxmlformats.org/drawingml/2006/main" xmlns:r="http://schemas.openxmlformats.org/officeDocument/2006/relationships" xmlns:p="http://schemas.openxmlformats.org/presentationml/2006/main">
+  <p:cSld>
+    <p:spTree>
+      <p:nvGrpSpPr>
+        <p:cNvPr id="1" name=""/>
+        <p:cNvGrpSpPr/>
+        <p:nvPr/>
+      </p:nvGrpSpPr>
+      <p:grpSpPr>
+        <a:xfrm>
+          <a:off x="0" y="0"/>
+          <a:ext cx="0" cy="0"/>
+          <a:chOff x="0" y="0"/>
+          <a:chExt cx="0" cy="0"/>
+        </a:xfrm>
+      </p:grpSpPr>
+      <p:sp>
+        <p:nvSpPr>
+          <p:cNvPr id="2" name="内容占位符 1"/>
+          <p:cNvSpPr>
+            <a:spLocks noGrp="1"/>
+          </p:cNvSpPr>
+          <p:nvPr>
+            <p:ph idx="1"/>
+          </p:nvPr>
+        </p:nvSpPr>
+        <p:spPr/>
+        <p:txBody>
+          <a:bodyPr/>
+          <a:lstStyle/>
+          <a:p>
+            <a:r>
+              <a:rPr lang="zh-CN" altLang="en-US" dirty="0" smtClean="0"/>
+              <a:t>每个账号每天只能进行</a:t>
+            </a:r>
+            <a:r>
+              <a:rPr lang="en-US" altLang="zh-CN" dirty="0" smtClean="0"/>
+              <a:t>4</a:t>
+            </a:r>
+            <a:r>
+              <a:rPr lang="zh-CN" altLang="en-US" dirty="0" smtClean="0"/>
+              <a:t>次提交，要合理利用。在算法确实有提升后，再尝试提交。</a:t>
+            </a:r>
+            <a:endParaRPr lang="en-US" altLang="zh-CN" dirty="0" smtClean="0"/>
+          </a:p>
+          <a:p>
+            <a:endParaRPr lang="en-US" altLang="zh-CN" dirty="0" smtClean="0"/>
+          </a:p>
+          <a:p>
+            <a:r>
+              <a:rPr lang="zh-CN" altLang="en-US" dirty="0" smtClean="0"/>
+              <a:t>阅</a:t>
+            </a:r>
+            <a:r>
+              <a:rPr lang="zh-CN" altLang="en-US" dirty="0" smtClean="0"/>
+              <a:t>读</a:t>
+            </a:r>
+            <a:r>
+              <a:rPr lang="en-US" altLang="zh-CN" dirty="0" smtClean="0"/>
+              <a:t>Kernels</a:t>
+            </a:r>
+            <a:r>
+              <a:rPr lang="zh-CN" altLang="en-US" dirty="0" smtClean="0"/>
+              <a:t>中高手们分享的解题思路，在</a:t>
+            </a:r>
+            <a:r>
+              <a:rPr lang="en-US" altLang="zh-CN" dirty="0" smtClean="0"/>
+              <a:t>Discussion</a:t>
+            </a:r>
+            <a:r>
+              <a:rPr lang="zh-CN" altLang="en-US" dirty="0" smtClean="0"/>
+              <a:t>中与他人交流。</a:t>
+            </a:r>
+            <a:endParaRPr lang="en-US" altLang="zh-CN" dirty="0" smtClean="0"/>
+          </a:p>
+          <a:p>
+            <a:endParaRPr lang="en-US" altLang="zh-CN" dirty="0" smtClean="0"/>
+          </a:p>
+          <a:p>
+            <a:r>
+              <a:rPr lang="zh-CN" altLang="en-US" dirty="0" smtClean="0"/>
+              <a:t>目标：</a:t>
+            </a:r>
+            <a:endParaRPr lang="en-US" altLang="zh-CN" dirty="0" smtClean="0"/>
+          </a:p>
+        </p:txBody>
+      </p:sp>
+      <p:sp>
+        <p:nvSpPr>
+          <p:cNvPr id="3" name="标题 2"/>
+          <p:cNvSpPr>
+            <a:spLocks noGrp="1"/>
+          </p:cNvSpPr>
+          <p:nvPr>
+            <p:ph type="title"/>
+          </p:nvPr>
+        </p:nvSpPr>
+        <p:spPr/>
+        <p:txBody>
+          <a:bodyPr/>
+          <a:lstStyle/>
+          <a:p>
+            <a:endParaRPr lang="zh-CN" altLang="en-US" dirty="0"/>
+          </a:p>
+        </p:txBody>
+      </p:sp>
+      <p:pic>
+        <p:nvPicPr>
+          <p:cNvPr id="10244" name="Picture 4"/>
+          <p:cNvPicPr>
+            <a:picLocks noChangeAspect="1" noChangeArrowheads="1"/>
+          </p:cNvPicPr>
+          <p:nvPr/>
+        </p:nvPicPr>
+        <p:blipFill>
+          <a:blip r:embed="rId2"/>
+          <a:srcRect/>
+          <a:stretch>
+            <a:fillRect/>
+          </a:stretch>
+        </p:blipFill>
+        <p:spPr bwMode="auto">
+          <a:xfrm>
+            <a:off x="214282" y="4714884"/>
+            <a:ext cx="8715404" cy="895350"/>
+          </a:xfrm>
+          <a:prstGeom prst="rect">
+            <a:avLst/>
+          </a:prstGeom>
+          <a:noFill/>
+          <a:ln w="9525">
+            <a:noFill/>
+            <a:miter lim="800000"/>
+            <a:headEnd/>
+            <a:tailEnd/>
+          </a:ln>
+          <a:effectLst/>
+        </p:spPr>
+      </p:pic>
+    </p:spTree>
+  </p:cSld>
+  <p:clrMapOvr>
+    <a:masterClrMapping/>
+  </p:clrMapOvr>
+</p:sld>
+</file>
+
+<file path=ppt/slides/slide28.xml><?xml version="1.0" encoding="utf-8"?>
+<p:sld xmlns:a="http://schemas.openxmlformats.org/drawingml/2006/main" xmlns:r="http://schemas.openxmlformats.org/officeDocument/2006/relationships" xmlns:p="http://schemas.openxmlformats.org/presentationml/2006/main">
+  <p:cSld>
+    <p:spTree>
+      <p:nvGrpSpPr>
+        <p:cNvPr id="1" name=""/>
+        <p:cNvGrpSpPr/>
+        <p:nvPr/>
+      </p:nvGrpSpPr>
+      <p:grpSpPr>
+        <a:xfrm>
+          <a:off x="0" y="0"/>
+          <a:ext cx="0" cy="0"/>
+          <a:chOff x="0" y="0"/>
+          <a:chExt cx="0" cy="0"/>
+        </a:xfrm>
+      </p:grpSpPr>
+      <p:sp>
+        <p:nvSpPr>
+          <p:cNvPr id="4" name="矩形 3"/>
+          <p:cNvSpPr/>
+          <p:nvPr/>
+        </p:nvSpPr>
+        <p:spPr>
+          <a:xfrm>
+            <a:off x="2786050" y="2357430"/>
+            <a:ext cx="3570319" cy="830997"/>
+          </a:xfrm>
+          <a:prstGeom prst="rect">
+            <a:avLst/>
+          </a:prstGeom>
+        </p:spPr>
+        <p:txBody>
+          <a:bodyPr wrap="square">
+            <a:spAutoFit/>
+          </a:bodyPr>
+          <a:lstStyle/>
+          <a:p>
+            <a:r>
+              <a:rPr lang="en-US" altLang="zh-CN" sz="4800" dirty="0" smtClean="0"/>
+              <a:t>Thank you!</a:t>
+            </a:r>
+            <a:endParaRPr lang="zh-CN" altLang="en-US" sz="4800" dirty="0"/>
+          </a:p>
+        </p:txBody>
+      </p:sp>
+    </p:spTree>
+  </p:cSld>
+  <p:clrMapOvr>
+    <a:masterClrMapping/>
+  </p:clrMapOvr>
+  <p:timing>
+    <p:tnLst>
+      <p:par>
+        <p:cTn id="1" dur="indefinite" restart="never" nodeType="tmRoot"/>
+      </p:par>
+    </p:tnLst>
+  </p:timing>
 </p:sld>
 </file>
 
@@ -5037,6 +7412,13 @@
   <p:clrMapOvr>
     <a:masterClrMapping/>
   </p:clrMapOvr>
+  <p:timing>
+    <p:tnLst>
+      <p:par>
+        <p:cTn id="1" dur="indefinite" restart="never" nodeType="tmRoot"/>
+      </p:par>
+    </p:tnLst>
+  </p:timing>
 </p:sld>
 </file>
 
@@ -5116,6 +7498,13 @@
   <p:clrMapOvr>
     <a:masterClrMapping/>
   </p:clrMapOvr>
+  <p:timing>
+    <p:tnLst>
+      <p:par>
+        <p:cTn id="1" dur="indefinite" restart="never" nodeType="tmRoot"/>
+      </p:par>
+    </p:tnLst>
+  </p:timing>
 </p:sld>
 </file>
 
@@ -5298,6 +7687,13 @@
   <p:clrMapOvr>
     <a:masterClrMapping/>
   </p:clrMapOvr>
+  <p:timing>
+    <p:tnLst>
+      <p:par>
+        <p:cTn id="1" dur="indefinite" restart="never" nodeType="tmRoot"/>
+      </p:par>
+    </p:tnLst>
+  </p:timing>
 </p:sld>
 </file>
 
@@ -5406,6 +7802,13 @@
   <p:clrMapOvr>
     <a:masterClrMapping/>
   </p:clrMapOvr>
+  <p:timing>
+    <p:tnLst>
+      <p:par>
+        <p:cTn id="1" dur="indefinite" restart="never" nodeType="tmRoot"/>
+      </p:par>
+    </p:tnLst>
+  </p:timing>
 </p:sld>
 </file>
 
@@ -5505,6 +7908,13 @@
   <p:clrMapOvr>
     <a:masterClrMapping/>
   </p:clrMapOvr>
+  <p:timing>
+    <p:tnLst>
+      <p:par>
+        <p:cTn id="1" dur="indefinite" restart="never" nodeType="tmRoot"/>
+      </p:par>
+    </p:tnLst>
+  </p:timing>
 </p:sld>
 </file>
 
@@ -5542,7 +7952,7 @@
           <a:p>
             <a:r>
               <a:rPr lang="zh-CN" altLang="en-US" dirty="0" smtClean="0"/>
-              <a:t>示例</a:t>
+              <a:t>初步分析。建立每个特征值与结果的直观印象。</a:t>
             </a:r>
             <a:endParaRPr lang="en-US" altLang="zh-CN" dirty="0" smtClean="0"/>
           </a:p>
@@ -5550,14 +7960,6 @@
             <a:endParaRPr lang="en-US" altLang="zh-CN" dirty="0" smtClean="0"/>
           </a:p>
           <a:p>
-            <a:r>
-              <a:rPr lang="zh-CN" altLang="en-US" dirty="0" smtClean="0"/>
-              <a:t>后续优化</a:t>
-            </a:r>
-            <a:r>
-              <a:rPr lang="zh-CN" altLang="en-US" smtClean="0"/>
-              <a:t>方案</a:t>
-            </a:r>
             <a:endParaRPr lang="en-US" altLang="zh-CN" dirty="0" smtClean="0"/>
           </a:p>
         </p:txBody>
@@ -5594,11 +7996,51 @@
           </a:p>
         </p:txBody>
       </p:sp>
+      <p:pic>
+        <p:nvPicPr>
+          <p:cNvPr id="7" name="Picture 2"/>
+          <p:cNvPicPr>
+            <a:picLocks noChangeAspect="1" noChangeArrowheads="1"/>
+          </p:cNvPicPr>
+          <p:nvPr/>
+        </p:nvPicPr>
+        <p:blipFill>
+          <a:blip r:embed="rId2"/>
+          <a:srcRect/>
+          <a:stretch>
+            <a:fillRect/>
+          </a:stretch>
+        </p:blipFill>
+        <p:spPr bwMode="auto">
+          <a:xfrm>
+            <a:off x="2428860" y="2071678"/>
+            <a:ext cx="4572032" cy="4038354"/>
+          </a:xfrm>
+          <a:prstGeom prst="rect">
+            <a:avLst/>
+          </a:prstGeom>
+          <a:noFill/>
+          <a:ln w="9525">
+            <a:noFill/>
+            <a:miter lim="800000"/>
+            <a:headEnd/>
+            <a:tailEnd/>
+          </a:ln>
+          <a:effectLst/>
+        </p:spPr>
+      </p:pic>
     </p:spTree>
   </p:cSld>
   <p:clrMapOvr>
     <a:masterClrMapping/>
   </p:clrMapOvr>
+  <p:timing>
+    <p:tnLst>
+      <p:par>
+        <p:cTn id="1" dur="indefinite" restart="never" nodeType="tmRoot"/>
+      </p:par>
+    </p:tnLst>
+  </p:timing>
 </p:sld>
 </file>
 
@@ -5640,7 +8082,7 @@
       </p:sp>
       <p:pic>
         <p:nvPicPr>
-          <p:cNvPr id="1026" name="Picture 2"/>
+          <p:cNvPr id="2050" name="Picture 2"/>
           <p:cNvPicPr>
             <a:picLocks noGrp="1" noChangeAspect="1" noChangeArrowheads="1"/>
           </p:cNvPicPr>
@@ -5657,8 +8099,8 @@
         </p:blipFill>
         <p:spPr bwMode="auto">
           <a:xfrm>
-            <a:off x="714348" y="2000240"/>
-            <a:ext cx="7586658" cy="2733627"/>
+            <a:off x="1785918" y="1142984"/>
+            <a:ext cx="5790477" cy="4457143"/>
           </a:xfrm>
           <a:prstGeom prst="rect">
             <a:avLst/>
@@ -5678,6 +8120,13 @@
   <p:clrMapOvr>
     <a:masterClrMapping/>
   </p:clrMapOvr>
+  <p:timing>
+    <p:tnLst>
+      <p:par>
+        <p:cTn id="1" dur="indefinite" restart="never" nodeType="tmRoot"/>
+      </p:par>
+    </p:tnLst>
+  </p:timing>
 </p:sld>
 </file>
 
